--- a/Seikkailupeli.pptx
+++ b/Seikkailupeli.pptx
@@ -106,6 +106,11 @@
       </a:defRPr>
     </a:lvl9pPr>
   </p:defaultTextStyle>
+  <p:extLst>
+    <p:ext uri="{EFAFB233-063F-42B5-8137-9DF3F51BA10A}">
+      <p15:sldGuideLst xmlns:p15="http://schemas.microsoft.com/office/powerpoint/2012/main"/>
+    </p:ext>
+  </p:extLst>
 </p:presentation>
 </file>
 
@@ -256,7 +261,7 @@
           <a:p>
             <a:fld id="{298E5DBA-D414-4DD7-9ED3-606EE3C5B87C}" type="datetimeFigureOut">
               <a:rPr lang="fi-FI" smtClean="0"/>
-              <a:t>21.2.2020</a:t>
+              <a:t>28.2.2020</a:t>
             </a:fld>
             <a:endParaRPr lang="fi-FI"/>
           </a:p>
@@ -454,7 +459,7 @@
           <a:p>
             <a:fld id="{298E5DBA-D414-4DD7-9ED3-606EE3C5B87C}" type="datetimeFigureOut">
               <a:rPr lang="fi-FI" smtClean="0"/>
-              <a:t>21.2.2020</a:t>
+              <a:t>28.2.2020</a:t>
             </a:fld>
             <a:endParaRPr lang="fi-FI"/>
           </a:p>
@@ -662,7 +667,7 @@
           <a:p>
             <a:fld id="{298E5DBA-D414-4DD7-9ED3-606EE3C5B87C}" type="datetimeFigureOut">
               <a:rPr lang="fi-FI" smtClean="0"/>
-              <a:t>21.2.2020</a:t>
+              <a:t>28.2.2020</a:t>
             </a:fld>
             <a:endParaRPr lang="fi-FI"/>
           </a:p>
@@ -860,7 +865,7 @@
           <a:p>
             <a:fld id="{298E5DBA-D414-4DD7-9ED3-606EE3C5B87C}" type="datetimeFigureOut">
               <a:rPr lang="fi-FI" smtClean="0"/>
-              <a:t>21.2.2020</a:t>
+              <a:t>28.2.2020</a:t>
             </a:fld>
             <a:endParaRPr lang="fi-FI"/>
           </a:p>
@@ -1135,7 +1140,7 @@
           <a:p>
             <a:fld id="{298E5DBA-D414-4DD7-9ED3-606EE3C5B87C}" type="datetimeFigureOut">
               <a:rPr lang="fi-FI" smtClean="0"/>
-              <a:t>21.2.2020</a:t>
+              <a:t>28.2.2020</a:t>
             </a:fld>
             <a:endParaRPr lang="fi-FI"/>
           </a:p>
@@ -1400,7 +1405,7 @@
           <a:p>
             <a:fld id="{298E5DBA-D414-4DD7-9ED3-606EE3C5B87C}" type="datetimeFigureOut">
               <a:rPr lang="fi-FI" smtClean="0"/>
-              <a:t>21.2.2020</a:t>
+              <a:t>28.2.2020</a:t>
             </a:fld>
             <a:endParaRPr lang="fi-FI"/>
           </a:p>
@@ -1812,7 +1817,7 @@
           <a:p>
             <a:fld id="{298E5DBA-D414-4DD7-9ED3-606EE3C5B87C}" type="datetimeFigureOut">
               <a:rPr lang="fi-FI" smtClean="0"/>
-              <a:t>21.2.2020</a:t>
+              <a:t>28.2.2020</a:t>
             </a:fld>
             <a:endParaRPr lang="fi-FI"/>
           </a:p>
@@ -1953,7 +1958,7 @@
           <a:p>
             <a:fld id="{298E5DBA-D414-4DD7-9ED3-606EE3C5B87C}" type="datetimeFigureOut">
               <a:rPr lang="fi-FI" smtClean="0"/>
-              <a:t>21.2.2020</a:t>
+              <a:t>28.2.2020</a:t>
             </a:fld>
             <a:endParaRPr lang="fi-FI"/>
           </a:p>
@@ -2066,7 +2071,7 @@
           <a:p>
             <a:fld id="{298E5DBA-D414-4DD7-9ED3-606EE3C5B87C}" type="datetimeFigureOut">
               <a:rPr lang="fi-FI" smtClean="0"/>
-              <a:t>21.2.2020</a:t>
+              <a:t>28.2.2020</a:t>
             </a:fld>
             <a:endParaRPr lang="fi-FI"/>
           </a:p>
@@ -2377,7 +2382,7 @@
           <a:p>
             <a:fld id="{298E5DBA-D414-4DD7-9ED3-606EE3C5B87C}" type="datetimeFigureOut">
               <a:rPr lang="fi-FI" smtClean="0"/>
-              <a:t>21.2.2020</a:t>
+              <a:t>28.2.2020</a:t>
             </a:fld>
             <a:endParaRPr lang="fi-FI"/>
           </a:p>
@@ -2665,7 +2670,7 @@
           <a:p>
             <a:fld id="{298E5DBA-D414-4DD7-9ED3-606EE3C5B87C}" type="datetimeFigureOut">
               <a:rPr lang="fi-FI" smtClean="0"/>
-              <a:t>21.2.2020</a:t>
+              <a:t>28.2.2020</a:t>
             </a:fld>
             <a:endParaRPr lang="fi-FI"/>
           </a:p>
@@ -2906,7 +2911,7 @@
           <a:p>
             <a:fld id="{298E5DBA-D414-4DD7-9ED3-606EE3C5B87C}" type="datetimeFigureOut">
               <a:rPr lang="fi-FI" smtClean="0"/>
-              <a:t>21.2.2020</a:t>
+              <a:t>28.2.2020</a:t>
             </a:fld>
             <a:endParaRPr lang="fi-FI"/>
           </a:p>
@@ -3615,7 +3620,10 @@
           <a:bodyPr/>
           <a:lstStyle/>
           <a:p>
-            <a:endParaRPr lang="fi-FI"/>
+            <a:r>
+              <a:rPr lang="fi-FI" dirty="0"/>
+              <a:t>Roni</a:t>
+            </a:r>
           </a:p>
         </p:txBody>
       </p:sp>
@@ -3640,7 +3648,45 @@
           <a:bodyPr/>
           <a:lstStyle/>
           <a:p>
-            <a:endParaRPr lang="fi-FI"/>
+            <a:r>
+              <a:rPr lang="fi-FI" dirty="0"/>
+              <a:t>Kirjoitin tarinan ja etsin kuvat </a:t>
+            </a:r>
+            <a:r>
+              <a:rPr lang="fi-FI" dirty="0" err="1"/>
+              <a:t>pixabaysta</a:t>
+            </a:r>
+            <a:endParaRPr lang="fi-FI" dirty="0"/>
+          </a:p>
+          <a:p>
+            <a:r>
+              <a:rPr lang="fi-FI" dirty="0"/>
+              <a:t>Tarinan fantasia teemainen ja kuvat muokattu oikeaan </a:t>
+            </a:r>
+            <a:r>
+              <a:rPr lang="fi-FI" dirty="0" err="1"/>
+              <a:t>aspect</a:t>
+            </a:r>
+            <a:r>
+              <a:rPr lang="fi-FI" dirty="0"/>
+              <a:t> </a:t>
+            </a:r>
+            <a:r>
+              <a:rPr lang="fi-FI" dirty="0" err="1"/>
+              <a:t>ratioon</a:t>
+            </a:r>
+            <a:r>
+              <a:rPr lang="fi-FI" dirty="0"/>
+              <a:t> käyttäen </a:t>
+            </a:r>
+            <a:r>
+              <a:rPr lang="fi-FI" dirty="0" err="1"/>
+              <a:t>photoshoppia</a:t>
+            </a:r>
+            <a:r>
+              <a:rPr lang="fi-FI" dirty="0"/>
+              <a:t>. </a:t>
+            </a:r>
           </a:p>
         </p:txBody>
       </p:sp>

--- a/Seikkailupeli.pptx
+++ b/Seikkailupeli.pptx
@@ -2,7 +2,7 @@
 <file path=ppt/presentation.xml><?xml version="1.0" encoding="utf-8"?>
 <p:presentation xmlns:a="http://schemas.openxmlformats.org/drawingml/2006/main" xmlns:r="http://schemas.openxmlformats.org/officeDocument/2006/relationships" xmlns:p="http://schemas.openxmlformats.org/presentationml/2006/main" saveSubsetFonts="1">
   <p:sldMasterIdLst>
-    <p:sldMasterId id="2147483648" r:id="rId1"/>
+    <p:sldMasterId id="2147483714" r:id="rId1"/>
   </p:sldMasterIdLst>
   <p:sldIdLst>
     <p:sldId id="256" r:id="rId2"/>
@@ -13,9 +13,9 @@
   <p:notesSz cx="6858000" cy="9144000"/>
   <p:defaultTextStyle>
     <a:defPPr>
-      <a:defRPr lang="fi-FI"/>
+      <a:defRPr lang="en-US"/>
     </a:defPPr>
-    <a:lvl1pPr marL="0" algn="l" defTabSz="914400" rtl="0" eaLnBrk="1" latinLnBrk="0" hangingPunct="1">
+    <a:lvl1pPr marL="0" algn="l" defTabSz="457200" rtl="0" eaLnBrk="1" latinLnBrk="0" hangingPunct="1">
       <a:defRPr sz="1800" kern="1200">
         <a:solidFill>
           <a:schemeClr val="tx1"/>
@@ -25,7 +25,7 @@
         <a:cs typeface="+mn-cs"/>
       </a:defRPr>
     </a:lvl1pPr>
-    <a:lvl2pPr marL="457200" algn="l" defTabSz="914400" rtl="0" eaLnBrk="1" latinLnBrk="0" hangingPunct="1">
+    <a:lvl2pPr marL="457200" algn="l" defTabSz="457200" rtl="0" eaLnBrk="1" latinLnBrk="0" hangingPunct="1">
       <a:defRPr sz="1800" kern="1200">
         <a:solidFill>
           <a:schemeClr val="tx1"/>
@@ -35,7 +35,7 @@
         <a:cs typeface="+mn-cs"/>
       </a:defRPr>
     </a:lvl2pPr>
-    <a:lvl3pPr marL="914400" algn="l" defTabSz="914400" rtl="0" eaLnBrk="1" latinLnBrk="0" hangingPunct="1">
+    <a:lvl3pPr marL="914400" algn="l" defTabSz="457200" rtl="0" eaLnBrk="1" latinLnBrk="0" hangingPunct="1">
       <a:defRPr sz="1800" kern="1200">
         <a:solidFill>
           <a:schemeClr val="tx1"/>
@@ -45,7 +45,7 @@
         <a:cs typeface="+mn-cs"/>
       </a:defRPr>
     </a:lvl3pPr>
-    <a:lvl4pPr marL="1371600" algn="l" defTabSz="914400" rtl="0" eaLnBrk="1" latinLnBrk="0" hangingPunct="1">
+    <a:lvl4pPr marL="1371600" algn="l" defTabSz="457200" rtl="0" eaLnBrk="1" latinLnBrk="0" hangingPunct="1">
       <a:defRPr sz="1800" kern="1200">
         <a:solidFill>
           <a:schemeClr val="tx1"/>
@@ -55,7 +55,7 @@
         <a:cs typeface="+mn-cs"/>
       </a:defRPr>
     </a:lvl4pPr>
-    <a:lvl5pPr marL="1828800" algn="l" defTabSz="914400" rtl="0" eaLnBrk="1" latinLnBrk="0" hangingPunct="1">
+    <a:lvl5pPr marL="1828800" algn="l" defTabSz="457200" rtl="0" eaLnBrk="1" latinLnBrk="0" hangingPunct="1">
       <a:defRPr sz="1800" kern="1200">
         <a:solidFill>
           <a:schemeClr val="tx1"/>
@@ -65,7 +65,7 @@
         <a:cs typeface="+mn-cs"/>
       </a:defRPr>
     </a:lvl5pPr>
-    <a:lvl6pPr marL="2286000" algn="l" defTabSz="914400" rtl="0" eaLnBrk="1" latinLnBrk="0" hangingPunct="1">
+    <a:lvl6pPr marL="2286000" algn="l" defTabSz="457200" rtl="0" eaLnBrk="1" latinLnBrk="0" hangingPunct="1">
       <a:defRPr sz="1800" kern="1200">
         <a:solidFill>
           <a:schemeClr val="tx1"/>
@@ -75,7 +75,7 @@
         <a:cs typeface="+mn-cs"/>
       </a:defRPr>
     </a:lvl6pPr>
-    <a:lvl7pPr marL="2743200" algn="l" defTabSz="914400" rtl="0" eaLnBrk="1" latinLnBrk="0" hangingPunct="1">
+    <a:lvl7pPr marL="2743200" algn="l" defTabSz="457200" rtl="0" eaLnBrk="1" latinLnBrk="0" hangingPunct="1">
       <a:defRPr sz="1800" kern="1200">
         <a:solidFill>
           <a:schemeClr val="tx1"/>
@@ -85,7 +85,7 @@
         <a:cs typeface="+mn-cs"/>
       </a:defRPr>
     </a:lvl7pPr>
-    <a:lvl8pPr marL="3200400" algn="l" defTabSz="914400" rtl="0" eaLnBrk="1" latinLnBrk="0" hangingPunct="1">
+    <a:lvl8pPr marL="3200400" algn="l" defTabSz="457200" rtl="0" eaLnBrk="1" latinLnBrk="0" hangingPunct="1">
       <a:defRPr sz="1800" kern="1200">
         <a:solidFill>
           <a:schemeClr val="tx1"/>
@@ -95,7 +95,7 @@
         <a:cs typeface="+mn-cs"/>
       </a:defRPr>
     </a:lvl8pPr>
-    <a:lvl9pPr marL="3657600" algn="l" defTabSz="914400" rtl="0" eaLnBrk="1" latinLnBrk="0" hangingPunct="1">
+    <a:lvl9pPr marL="3657600" algn="l" defTabSz="457200" rtl="0" eaLnBrk="1" latinLnBrk="0" hangingPunct="1">
       <a:defRPr sz="1800" kern="1200">
         <a:solidFill>
           <a:schemeClr val="tx1"/>
@@ -133,13 +133,7 @@
       </p:grpSpPr>
       <p:sp>
         <p:nvSpPr>
-          <p:cNvPr id="2" name="Otsikko 1">
-            <a:extLst>
-              <a:ext uri="{FF2B5EF4-FFF2-40B4-BE49-F238E27FC236}">
-                <a16:creationId xmlns:a16="http://schemas.microsoft.com/office/drawing/2014/main" id="{C3DA3CB7-DC88-4A43-A659-7D105252DEF1}"/>
-              </a:ext>
-            </a:extLst>
-          </p:cNvPr>
+          <p:cNvPr id="2" name="Title 1"/>
           <p:cNvSpPr>
             <a:spLocks noGrp="1"/>
           </p:cNvSpPr>
@@ -149,15 +143,17 @@
         </p:nvSpPr>
         <p:spPr>
           <a:xfrm>
-            <a:off x="1524000" y="1122363"/>
-            <a:ext cx="9144000" cy="2387600"/>
-          </a:xfrm>
-        </p:spPr>
-        <p:txBody>
-          <a:bodyPr anchor="b"/>
+            <a:off x="2417779" y="802298"/>
+            <a:ext cx="8637073" cy="2541431"/>
+          </a:xfrm>
+        </p:spPr>
+        <p:txBody>
+          <a:bodyPr bIns="0" anchor="b">
+            <a:normAutofit/>
+          </a:bodyPr>
           <a:lstStyle>
-            <a:lvl1pPr algn="ctr">
-              <a:defRPr sz="6000"/>
+            <a:lvl1pPr algn="l">
+              <a:defRPr sz="6600"/>
             </a:lvl1pPr>
           </a:lstStyle>
           <a:p>
@@ -165,18 +161,13 @@
               <a:rPr lang="fi-FI"/>
               <a:t>Muokkaa ots. perustyyl. napsautt.</a:t>
             </a:r>
-          </a:p>
-        </p:txBody>
-      </p:sp>
-      <p:sp>
-        <p:nvSpPr>
-          <p:cNvPr id="3" name="Alaotsikko 2">
-            <a:extLst>
-              <a:ext uri="{FF2B5EF4-FFF2-40B4-BE49-F238E27FC236}">
-                <a16:creationId xmlns:a16="http://schemas.microsoft.com/office/drawing/2014/main" id="{76715BAD-F43B-4120-80E9-07D142691A13}"/>
-              </a:ext>
-            </a:extLst>
-          </p:cNvPr>
+            <a:endParaRPr lang="en-US" dirty="0"/>
+          </a:p>
+        </p:txBody>
+      </p:sp>
+      <p:sp>
+        <p:nvSpPr>
+          <p:cNvPr id="3" name="Subtitle 2"/>
           <p:cNvSpPr>
             <a:spLocks noGrp="1"/>
           </p:cNvSpPr>
@@ -186,20 +177,26 @@
         </p:nvSpPr>
         <p:spPr>
           <a:xfrm>
-            <a:off x="1524000" y="3602038"/>
-            <a:ext cx="9144000" cy="1655762"/>
-          </a:xfrm>
-        </p:spPr>
-        <p:txBody>
-          <a:bodyPr/>
+            <a:off x="2417780" y="3531204"/>
+            <a:ext cx="8637072" cy="977621"/>
+          </a:xfrm>
+        </p:spPr>
+        <p:txBody>
+          <a:bodyPr tIns="91440" bIns="91440">
+            <a:normAutofit/>
+          </a:bodyPr>
           <a:lstStyle>
-            <a:lvl1pPr marL="0" indent="0" algn="ctr">
-              <a:buNone/>
-              <a:defRPr sz="2400"/>
+            <a:lvl1pPr marL="0" indent="0" algn="l">
+              <a:buNone/>
+              <a:defRPr sz="1800" b="0" cap="all" baseline="0">
+                <a:solidFill>
+                  <a:schemeClr val="tx1"/>
+                </a:solidFill>
+              </a:defRPr>
             </a:lvl1pPr>
             <a:lvl2pPr marL="457200" indent="0" algn="ctr">
               <a:buNone/>
-              <a:defRPr sz="2000"/>
+              <a:defRPr sz="1800"/>
             </a:lvl2pPr>
             <a:lvl3pPr marL="914400" indent="0" algn="ctr">
               <a:buNone/>
@@ -235,18 +232,13 @@
               <a:rPr lang="fi-FI"/>
               <a:t>Muokkaa alaotsikon perustyyliä napsautt.</a:t>
             </a:r>
-          </a:p>
-        </p:txBody>
-      </p:sp>
-      <p:sp>
-        <p:nvSpPr>
-          <p:cNvPr id="4" name="Päivämäärän paikkamerkki 3">
-            <a:extLst>
-              <a:ext uri="{FF2B5EF4-FFF2-40B4-BE49-F238E27FC236}">
-                <a16:creationId xmlns:a16="http://schemas.microsoft.com/office/drawing/2014/main" id="{01710118-3215-439D-8ACB-0145FEF0D19F}"/>
-              </a:ext>
-            </a:extLst>
-          </p:cNvPr>
+            <a:endParaRPr lang="en-US" dirty="0"/>
+          </a:p>
+        </p:txBody>
+      </p:sp>
+      <p:sp>
+        <p:nvSpPr>
+          <p:cNvPr id="4" name="Date Placeholder 3"/>
           <p:cNvSpPr>
             <a:spLocks noGrp="1"/>
           </p:cNvSpPr>
@@ -261,7 +253,7 @@
           <a:p>
             <a:fld id="{298E5DBA-D414-4DD7-9ED3-606EE3C5B87C}" type="datetimeFigureOut">
               <a:rPr lang="fi-FI" smtClean="0"/>
-              <a:t>28.2.2020</a:t>
+              <a:t>3.3.2020</a:t>
             </a:fld>
             <a:endParaRPr lang="fi-FI"/>
           </a:p>
@@ -269,13 +261,7 @@
       </p:sp>
       <p:sp>
         <p:nvSpPr>
-          <p:cNvPr id="5" name="Alatunnisteen paikkamerkki 4">
-            <a:extLst>
-              <a:ext uri="{FF2B5EF4-FFF2-40B4-BE49-F238E27FC236}">
-                <a16:creationId xmlns:a16="http://schemas.microsoft.com/office/drawing/2014/main" id="{D93DB4EC-B9F3-4C7A-9781-41D74EF4D9E1}"/>
-              </a:ext>
-            </a:extLst>
-          </p:cNvPr>
+          <p:cNvPr id="5" name="Footer Placeholder 4"/>
           <p:cNvSpPr>
             <a:spLocks noGrp="1"/>
           </p:cNvSpPr>
@@ -283,7 +269,12 @@
             <p:ph type="ftr" sz="quarter" idx="11"/>
           </p:nvPr>
         </p:nvSpPr>
-        <p:spPr/>
+        <p:spPr>
+          <a:xfrm>
+            <a:off x="2416500" y="329307"/>
+            <a:ext cx="4973915" cy="309201"/>
+          </a:xfrm>
+        </p:spPr>
         <p:txBody>
           <a:bodyPr/>
           <a:lstStyle/>
@@ -294,13 +285,7 @@
       </p:sp>
       <p:sp>
         <p:nvSpPr>
-          <p:cNvPr id="6" name="Dian numeron paikkamerkki 5">
-            <a:extLst>
-              <a:ext uri="{FF2B5EF4-FFF2-40B4-BE49-F238E27FC236}">
-                <a16:creationId xmlns:a16="http://schemas.microsoft.com/office/drawing/2014/main" id="{2E434197-093D-413D-90B4-3749644E06BA}"/>
-              </a:ext>
-            </a:extLst>
-          </p:cNvPr>
+          <p:cNvPr id="6" name="Slide Number Placeholder 5"/>
           <p:cNvSpPr>
             <a:spLocks noGrp="1"/>
           </p:cNvSpPr>
@@ -308,7 +293,12 @@
             <p:ph type="sldNum" sz="quarter" idx="12"/>
           </p:nvPr>
         </p:nvSpPr>
-        <p:spPr/>
+        <p:spPr>
+          <a:xfrm>
+            <a:off x="1437664" y="798973"/>
+            <a:ext cx="811019" cy="503578"/>
+          </a:xfrm>
+        </p:spPr>
         <p:txBody>
           <a:bodyPr/>
           <a:lstStyle/>
@@ -321,10 +311,41 @@
           </a:p>
         </p:txBody>
       </p:sp>
+      <p:cxnSp>
+        <p:nvCxnSpPr>
+          <p:cNvPr id="15" name="Straight Connector 14"/>
+          <p:cNvCxnSpPr/>
+          <p:nvPr/>
+        </p:nvCxnSpPr>
+        <p:spPr>
+          <a:xfrm>
+            <a:off x="2417780" y="3528542"/>
+            <a:ext cx="8637072" cy="0"/>
+          </a:xfrm>
+          <a:prstGeom prst="line">
+            <a:avLst/>
+          </a:prstGeom>
+          <a:ln w="31750"/>
+        </p:spPr>
+        <p:style>
+          <a:lnRef idx="3">
+            <a:schemeClr val="accent1"/>
+          </a:lnRef>
+          <a:fillRef idx="0">
+            <a:schemeClr val="accent1"/>
+          </a:fillRef>
+          <a:effectRef idx="2">
+            <a:schemeClr val="accent1"/>
+          </a:effectRef>
+          <a:fontRef idx="minor">
+            <a:schemeClr val="tx1"/>
+          </a:fontRef>
+        </p:style>
+      </p:cxnSp>
     </p:spTree>
     <p:extLst>
       <p:ext uri="{BB962C8B-B14F-4D97-AF65-F5344CB8AC3E}">
-        <p14:creationId xmlns:p14="http://schemas.microsoft.com/office/powerpoint/2010/main" val="125560416"/>
+        <p14:creationId xmlns:p14="http://schemas.microsoft.com/office/powerpoint/2010/main" val="2562810197"/>
       </p:ext>
     </p:extLst>
   </p:cSld>
@@ -353,13 +374,7 @@
       </p:grpSpPr>
       <p:sp>
         <p:nvSpPr>
-          <p:cNvPr id="2" name="Otsikko 1">
-            <a:extLst>
-              <a:ext uri="{FF2B5EF4-FFF2-40B4-BE49-F238E27FC236}">
-                <a16:creationId xmlns:a16="http://schemas.microsoft.com/office/drawing/2014/main" id="{EEAAECCD-FD98-4273-875E-6D643250BF9E}"/>
-              </a:ext>
-            </a:extLst>
-          </p:cNvPr>
+          <p:cNvPr id="2" name="Title 1"/>
           <p:cNvSpPr>
             <a:spLocks noGrp="1"/>
           </p:cNvSpPr>
@@ -376,18 +391,13 @@
               <a:rPr lang="fi-FI"/>
               <a:t>Muokkaa ots. perustyyl. napsautt.</a:t>
             </a:r>
-          </a:p>
-        </p:txBody>
-      </p:sp>
-      <p:sp>
-        <p:nvSpPr>
-          <p:cNvPr id="3" name="Pystysuoran tekstin paikkamerkki 2">
-            <a:extLst>
-              <a:ext uri="{FF2B5EF4-FFF2-40B4-BE49-F238E27FC236}">
-                <a16:creationId xmlns:a16="http://schemas.microsoft.com/office/drawing/2014/main" id="{8AA568C3-FE35-4565-99F3-1DACA6B2612C}"/>
-              </a:ext>
-            </a:extLst>
-          </p:cNvPr>
+            <a:endParaRPr lang="en-US" dirty="0"/>
+          </a:p>
+        </p:txBody>
+      </p:sp>
+      <p:sp>
+        <p:nvSpPr>
+          <p:cNvPr id="3" name="Vertical Text Placeholder 2"/>
           <p:cNvSpPr>
             <a:spLocks noGrp="1"/>
           </p:cNvSpPr>
@@ -433,18 +443,13 @@
               <a:rPr lang="fi-FI"/>
               <a:t>viides taso</a:t>
             </a:r>
-          </a:p>
-        </p:txBody>
-      </p:sp>
-      <p:sp>
-        <p:nvSpPr>
-          <p:cNvPr id="4" name="Päivämäärän paikkamerkki 3">
-            <a:extLst>
-              <a:ext uri="{FF2B5EF4-FFF2-40B4-BE49-F238E27FC236}">
-                <a16:creationId xmlns:a16="http://schemas.microsoft.com/office/drawing/2014/main" id="{2D61C493-6D64-42BA-A356-D036E4606641}"/>
-              </a:ext>
-            </a:extLst>
-          </p:cNvPr>
+            <a:endParaRPr lang="en-US" dirty="0"/>
+          </a:p>
+        </p:txBody>
+      </p:sp>
+      <p:sp>
+        <p:nvSpPr>
+          <p:cNvPr id="4" name="Date Placeholder 3"/>
           <p:cNvSpPr>
             <a:spLocks noGrp="1"/>
           </p:cNvSpPr>
@@ -459,7 +464,7 @@
           <a:p>
             <a:fld id="{298E5DBA-D414-4DD7-9ED3-606EE3C5B87C}" type="datetimeFigureOut">
               <a:rPr lang="fi-FI" smtClean="0"/>
-              <a:t>28.2.2020</a:t>
+              <a:t>3.3.2020</a:t>
             </a:fld>
             <a:endParaRPr lang="fi-FI"/>
           </a:p>
@@ -467,13 +472,7 @@
       </p:sp>
       <p:sp>
         <p:nvSpPr>
-          <p:cNvPr id="5" name="Alatunnisteen paikkamerkki 4">
-            <a:extLst>
-              <a:ext uri="{FF2B5EF4-FFF2-40B4-BE49-F238E27FC236}">
-                <a16:creationId xmlns:a16="http://schemas.microsoft.com/office/drawing/2014/main" id="{654209B1-0AF1-4487-8562-7AA14ABED247}"/>
-              </a:ext>
-            </a:extLst>
-          </p:cNvPr>
+          <p:cNvPr id="5" name="Footer Placeholder 4"/>
           <p:cNvSpPr>
             <a:spLocks noGrp="1"/>
           </p:cNvSpPr>
@@ -492,13 +491,7 @@
       </p:sp>
       <p:sp>
         <p:nvSpPr>
-          <p:cNvPr id="6" name="Dian numeron paikkamerkki 5">
-            <a:extLst>
-              <a:ext uri="{FF2B5EF4-FFF2-40B4-BE49-F238E27FC236}">
-                <a16:creationId xmlns:a16="http://schemas.microsoft.com/office/drawing/2014/main" id="{9F3E0E22-C63C-4E2A-8CC1-F67993CA086B}"/>
-              </a:ext>
-            </a:extLst>
-          </p:cNvPr>
+          <p:cNvPr id="6" name="Slide Number Placeholder 5"/>
           <p:cNvSpPr>
             <a:spLocks noGrp="1"/>
           </p:cNvSpPr>
@@ -519,10 +512,41 @@
           </a:p>
         </p:txBody>
       </p:sp>
+      <p:cxnSp>
+        <p:nvCxnSpPr>
+          <p:cNvPr id="26" name="Straight Connector 25"/>
+          <p:cNvCxnSpPr/>
+          <p:nvPr/>
+        </p:nvCxnSpPr>
+        <p:spPr>
+          <a:xfrm>
+            <a:off x="1453896" y="1847088"/>
+            <a:ext cx="9607522" cy="0"/>
+          </a:xfrm>
+          <a:prstGeom prst="line">
+            <a:avLst/>
+          </a:prstGeom>
+          <a:ln w="31750"/>
+        </p:spPr>
+        <p:style>
+          <a:lnRef idx="3">
+            <a:schemeClr val="accent1"/>
+          </a:lnRef>
+          <a:fillRef idx="0">
+            <a:schemeClr val="accent1"/>
+          </a:fillRef>
+          <a:effectRef idx="2">
+            <a:schemeClr val="accent1"/>
+          </a:effectRef>
+          <a:fontRef idx="minor">
+            <a:schemeClr val="tx1"/>
+          </a:fontRef>
+        </p:style>
+      </p:cxnSp>
     </p:spTree>
     <p:extLst>
       <p:ext uri="{BB962C8B-B14F-4D97-AF65-F5344CB8AC3E}">
-        <p14:creationId xmlns:p14="http://schemas.microsoft.com/office/powerpoint/2010/main" val="3319151910"/>
+        <p14:creationId xmlns:p14="http://schemas.microsoft.com/office/powerpoint/2010/main" val="589772240"/>
       </p:ext>
     </p:extLst>
   </p:cSld>
@@ -551,13 +575,7 @@
       </p:grpSpPr>
       <p:sp>
         <p:nvSpPr>
-          <p:cNvPr id="2" name="Pystysuora otsikko 1">
-            <a:extLst>
-              <a:ext uri="{FF2B5EF4-FFF2-40B4-BE49-F238E27FC236}">
-                <a16:creationId xmlns:a16="http://schemas.microsoft.com/office/drawing/2014/main" id="{AA1AF850-EB2F-4FB2-8CEA-CFB64D8DA5FE}"/>
-              </a:ext>
-            </a:extLst>
-          </p:cNvPr>
+          <p:cNvPr id="2" name="Vertical Title 1"/>
           <p:cNvSpPr>
             <a:spLocks noGrp="1"/>
           </p:cNvSpPr>
@@ -567,30 +585,29 @@
         </p:nvSpPr>
         <p:spPr>
           <a:xfrm>
-            <a:off x="8724900" y="365125"/>
-            <a:ext cx="2628900" cy="5811838"/>
+            <a:off x="9439111" y="798973"/>
+            <a:ext cx="1615742" cy="4659889"/>
           </a:xfrm>
         </p:spPr>
         <p:txBody>
           <a:bodyPr vert="eaVert"/>
-          <a:lstStyle/>
+          <a:lstStyle>
+            <a:lvl1pPr algn="l">
+              <a:defRPr/>
+            </a:lvl1pPr>
+          </a:lstStyle>
           <a:p>
             <a:r>
               <a:rPr lang="fi-FI"/>
               <a:t>Muokkaa ots. perustyyl. napsautt.</a:t>
             </a:r>
-          </a:p>
-        </p:txBody>
-      </p:sp>
-      <p:sp>
-        <p:nvSpPr>
-          <p:cNvPr id="3" name="Pystysuoran tekstin paikkamerkki 2">
-            <a:extLst>
-              <a:ext uri="{FF2B5EF4-FFF2-40B4-BE49-F238E27FC236}">
-                <a16:creationId xmlns:a16="http://schemas.microsoft.com/office/drawing/2014/main" id="{A4EE86BA-CF01-4784-BA75-61D705A3C2B8}"/>
-              </a:ext>
-            </a:extLst>
-          </p:cNvPr>
+            <a:endParaRPr lang="en-US" dirty="0"/>
+          </a:p>
+        </p:txBody>
+      </p:sp>
+      <p:sp>
+        <p:nvSpPr>
+          <p:cNvPr id="3" name="Vertical Text Placeholder 2"/>
           <p:cNvSpPr>
             <a:spLocks noGrp="1"/>
           </p:cNvSpPr>
@@ -600,8 +617,8 @@
         </p:nvSpPr>
         <p:spPr>
           <a:xfrm>
-            <a:off x="838200" y="365125"/>
-            <a:ext cx="7734300" cy="5811838"/>
+            <a:off x="1444672" y="798973"/>
+            <a:ext cx="7828830" cy="4659889"/>
           </a:xfrm>
         </p:spPr>
         <p:txBody>
@@ -641,18 +658,13 @@
               <a:rPr lang="fi-FI"/>
               <a:t>viides taso</a:t>
             </a:r>
-          </a:p>
-        </p:txBody>
-      </p:sp>
-      <p:sp>
-        <p:nvSpPr>
-          <p:cNvPr id="4" name="Päivämäärän paikkamerkki 3">
-            <a:extLst>
-              <a:ext uri="{FF2B5EF4-FFF2-40B4-BE49-F238E27FC236}">
-                <a16:creationId xmlns:a16="http://schemas.microsoft.com/office/drawing/2014/main" id="{719B835A-2AEB-424B-8ACF-8631D0093E84}"/>
-              </a:ext>
-            </a:extLst>
-          </p:cNvPr>
+            <a:endParaRPr lang="en-US" dirty="0"/>
+          </a:p>
+        </p:txBody>
+      </p:sp>
+      <p:sp>
+        <p:nvSpPr>
+          <p:cNvPr id="4" name="Date Placeholder 3"/>
           <p:cNvSpPr>
             <a:spLocks noGrp="1"/>
           </p:cNvSpPr>
@@ -667,7 +679,7 @@
           <a:p>
             <a:fld id="{298E5DBA-D414-4DD7-9ED3-606EE3C5B87C}" type="datetimeFigureOut">
               <a:rPr lang="fi-FI" smtClean="0"/>
-              <a:t>28.2.2020</a:t>
+              <a:t>3.3.2020</a:t>
             </a:fld>
             <a:endParaRPr lang="fi-FI"/>
           </a:p>
@@ -675,13 +687,7 @@
       </p:sp>
       <p:sp>
         <p:nvSpPr>
-          <p:cNvPr id="5" name="Alatunnisteen paikkamerkki 4">
-            <a:extLst>
-              <a:ext uri="{FF2B5EF4-FFF2-40B4-BE49-F238E27FC236}">
-                <a16:creationId xmlns:a16="http://schemas.microsoft.com/office/drawing/2014/main" id="{EB1304CA-4765-401E-986E-C3FD86DB32CC}"/>
-              </a:ext>
-            </a:extLst>
-          </p:cNvPr>
+          <p:cNvPr id="5" name="Footer Placeholder 4"/>
           <p:cNvSpPr>
             <a:spLocks noGrp="1"/>
           </p:cNvSpPr>
@@ -700,13 +706,7 @@
       </p:sp>
       <p:sp>
         <p:nvSpPr>
-          <p:cNvPr id="6" name="Dian numeron paikkamerkki 5">
-            <a:extLst>
-              <a:ext uri="{FF2B5EF4-FFF2-40B4-BE49-F238E27FC236}">
-                <a16:creationId xmlns:a16="http://schemas.microsoft.com/office/drawing/2014/main" id="{5525AC89-EC78-4CB8-978F-5597A4C1F62D}"/>
-              </a:ext>
-            </a:extLst>
-          </p:cNvPr>
+          <p:cNvPr id="6" name="Slide Number Placeholder 5"/>
           <p:cNvSpPr>
             <a:spLocks noGrp="1"/>
           </p:cNvSpPr>
@@ -727,10 +727,41 @@
           </a:p>
         </p:txBody>
       </p:sp>
+      <p:cxnSp>
+        <p:nvCxnSpPr>
+          <p:cNvPr id="15" name="Straight Connector 14"/>
+          <p:cNvCxnSpPr/>
+          <p:nvPr/>
+        </p:nvCxnSpPr>
+        <p:spPr>
+          <a:xfrm>
+            <a:off x="9439111" y="798973"/>
+            <a:ext cx="0" cy="4659889"/>
+          </a:xfrm>
+          <a:prstGeom prst="line">
+            <a:avLst/>
+          </a:prstGeom>
+          <a:ln w="31750"/>
+        </p:spPr>
+        <p:style>
+          <a:lnRef idx="3">
+            <a:schemeClr val="accent1"/>
+          </a:lnRef>
+          <a:fillRef idx="0">
+            <a:schemeClr val="accent1"/>
+          </a:fillRef>
+          <a:effectRef idx="2">
+            <a:schemeClr val="accent1"/>
+          </a:effectRef>
+          <a:fontRef idx="minor">
+            <a:schemeClr val="tx1"/>
+          </a:fontRef>
+        </p:style>
+      </p:cxnSp>
     </p:spTree>
     <p:extLst>
       <p:ext uri="{BB962C8B-B14F-4D97-AF65-F5344CB8AC3E}">
-        <p14:creationId xmlns:p14="http://schemas.microsoft.com/office/powerpoint/2010/main" val="4269519677"/>
+        <p14:creationId xmlns:p14="http://schemas.microsoft.com/office/powerpoint/2010/main" val="340416487"/>
       </p:ext>
     </p:extLst>
   </p:cSld>
@@ -759,13 +790,7 @@
       </p:grpSpPr>
       <p:sp>
         <p:nvSpPr>
-          <p:cNvPr id="2" name="Otsikko 1">
-            <a:extLst>
-              <a:ext uri="{FF2B5EF4-FFF2-40B4-BE49-F238E27FC236}">
-                <a16:creationId xmlns:a16="http://schemas.microsoft.com/office/drawing/2014/main" id="{8A955EC5-C141-41B7-A8D8-558C726E7F25}"/>
-              </a:ext>
-            </a:extLst>
-          </p:cNvPr>
+          <p:cNvPr id="2" name="Title 1"/>
           <p:cNvSpPr>
             <a:spLocks noGrp="1"/>
           </p:cNvSpPr>
@@ -782,18 +807,13 @@
               <a:rPr lang="fi-FI"/>
               <a:t>Muokkaa ots. perustyyl. napsautt.</a:t>
             </a:r>
-          </a:p>
-        </p:txBody>
-      </p:sp>
-      <p:sp>
-        <p:nvSpPr>
-          <p:cNvPr id="3" name="Sisällön paikkamerkki 2">
-            <a:extLst>
-              <a:ext uri="{FF2B5EF4-FFF2-40B4-BE49-F238E27FC236}">
-                <a16:creationId xmlns:a16="http://schemas.microsoft.com/office/drawing/2014/main" id="{E9852323-2F74-48EC-9ECE-5D1344E2A707}"/>
-              </a:ext>
-            </a:extLst>
-          </p:cNvPr>
+            <a:endParaRPr lang="en-US" dirty="0"/>
+          </a:p>
+        </p:txBody>
+      </p:sp>
+      <p:sp>
+        <p:nvSpPr>
+          <p:cNvPr id="3" name="Content Placeholder 2"/>
           <p:cNvSpPr>
             <a:spLocks noGrp="1"/>
           </p:cNvSpPr>
@@ -803,7 +823,7 @@
         </p:nvSpPr>
         <p:spPr/>
         <p:txBody>
-          <a:bodyPr/>
+          <a:bodyPr anchor="t"/>
           <a:lstStyle/>
           <a:p>
             <a:pPr lvl="0"/>
@@ -839,18 +859,13 @@
               <a:rPr lang="fi-FI"/>
               <a:t>viides taso</a:t>
             </a:r>
-          </a:p>
-        </p:txBody>
-      </p:sp>
-      <p:sp>
-        <p:nvSpPr>
-          <p:cNvPr id="4" name="Päivämäärän paikkamerkki 3">
-            <a:extLst>
-              <a:ext uri="{FF2B5EF4-FFF2-40B4-BE49-F238E27FC236}">
-                <a16:creationId xmlns:a16="http://schemas.microsoft.com/office/drawing/2014/main" id="{689D9AB0-008C-4F9F-B9F1-E715BC1F2522}"/>
-              </a:ext>
-            </a:extLst>
-          </p:cNvPr>
+            <a:endParaRPr lang="en-US" dirty="0"/>
+          </a:p>
+        </p:txBody>
+      </p:sp>
+      <p:sp>
+        <p:nvSpPr>
+          <p:cNvPr id="4" name="Date Placeholder 3"/>
           <p:cNvSpPr>
             <a:spLocks noGrp="1"/>
           </p:cNvSpPr>
@@ -865,7 +880,7 @@
           <a:p>
             <a:fld id="{298E5DBA-D414-4DD7-9ED3-606EE3C5B87C}" type="datetimeFigureOut">
               <a:rPr lang="fi-FI" smtClean="0"/>
-              <a:t>28.2.2020</a:t>
+              <a:t>3.3.2020</a:t>
             </a:fld>
             <a:endParaRPr lang="fi-FI"/>
           </a:p>
@@ -873,13 +888,7 @@
       </p:sp>
       <p:sp>
         <p:nvSpPr>
-          <p:cNvPr id="5" name="Alatunnisteen paikkamerkki 4">
-            <a:extLst>
-              <a:ext uri="{FF2B5EF4-FFF2-40B4-BE49-F238E27FC236}">
-                <a16:creationId xmlns:a16="http://schemas.microsoft.com/office/drawing/2014/main" id="{5E3CBDF3-CD4B-4E9E-8456-54925B184AB6}"/>
-              </a:ext>
-            </a:extLst>
-          </p:cNvPr>
+          <p:cNvPr id="5" name="Footer Placeholder 4"/>
           <p:cNvSpPr>
             <a:spLocks noGrp="1"/>
           </p:cNvSpPr>
@@ -898,13 +907,7 @@
       </p:sp>
       <p:sp>
         <p:nvSpPr>
-          <p:cNvPr id="6" name="Dian numeron paikkamerkki 5">
-            <a:extLst>
-              <a:ext uri="{FF2B5EF4-FFF2-40B4-BE49-F238E27FC236}">
-                <a16:creationId xmlns:a16="http://schemas.microsoft.com/office/drawing/2014/main" id="{5D270230-E69F-4A39-AA8F-2357197A5725}"/>
-              </a:ext>
-            </a:extLst>
-          </p:cNvPr>
+          <p:cNvPr id="6" name="Slide Number Placeholder 5"/>
           <p:cNvSpPr>
             <a:spLocks noGrp="1"/>
           </p:cNvSpPr>
@@ -925,10 +928,41 @@
           </a:p>
         </p:txBody>
       </p:sp>
+      <p:cxnSp>
+        <p:nvCxnSpPr>
+          <p:cNvPr id="33" name="Straight Connector 32"/>
+          <p:cNvCxnSpPr/>
+          <p:nvPr/>
+        </p:nvCxnSpPr>
+        <p:spPr>
+          <a:xfrm>
+            <a:off x="1453896" y="1847088"/>
+            <a:ext cx="9607522" cy="0"/>
+          </a:xfrm>
+          <a:prstGeom prst="line">
+            <a:avLst/>
+          </a:prstGeom>
+          <a:ln w="31750"/>
+        </p:spPr>
+        <p:style>
+          <a:lnRef idx="3">
+            <a:schemeClr val="accent1"/>
+          </a:lnRef>
+          <a:fillRef idx="0">
+            <a:schemeClr val="accent1"/>
+          </a:fillRef>
+          <a:effectRef idx="2">
+            <a:schemeClr val="accent1"/>
+          </a:effectRef>
+          <a:fontRef idx="minor">
+            <a:schemeClr val="tx1"/>
+          </a:fontRef>
+        </p:style>
+      </p:cxnSp>
     </p:spTree>
     <p:extLst>
       <p:ext uri="{BB962C8B-B14F-4D97-AF65-F5344CB8AC3E}">
-        <p14:creationId xmlns:p14="http://schemas.microsoft.com/office/powerpoint/2010/main" val="1899010361"/>
+        <p14:creationId xmlns:p14="http://schemas.microsoft.com/office/powerpoint/2010/main" val="2645726369"/>
       </p:ext>
     </p:extLst>
   </p:cSld>
@@ -957,13 +991,7 @@
       </p:grpSpPr>
       <p:sp>
         <p:nvSpPr>
-          <p:cNvPr id="2" name="Otsikko 1">
-            <a:extLst>
-              <a:ext uri="{FF2B5EF4-FFF2-40B4-BE49-F238E27FC236}">
-                <a16:creationId xmlns:a16="http://schemas.microsoft.com/office/drawing/2014/main" id="{C1AFDB28-1208-49FA-A949-E09D4E058E8A}"/>
-              </a:ext>
-            </a:extLst>
-          </p:cNvPr>
+          <p:cNvPr id="2" name="Title 1"/>
           <p:cNvSpPr>
             <a:spLocks noGrp="1"/>
           </p:cNvSpPr>
@@ -973,15 +1001,17 @@
         </p:nvSpPr>
         <p:spPr>
           <a:xfrm>
-            <a:off x="831850" y="1709738"/>
-            <a:ext cx="10515600" cy="2852737"/>
-          </a:xfrm>
-        </p:spPr>
-        <p:txBody>
-          <a:bodyPr anchor="b"/>
+            <a:off x="1454239" y="1756130"/>
+            <a:ext cx="8643154" cy="1887950"/>
+          </a:xfrm>
+        </p:spPr>
+        <p:txBody>
+          <a:bodyPr anchor="b">
+            <a:normAutofit/>
+          </a:bodyPr>
           <a:lstStyle>
-            <a:lvl1pPr>
-              <a:defRPr sz="6000"/>
+            <a:lvl1pPr algn="l">
+              <a:defRPr sz="3600"/>
             </a:lvl1pPr>
           </a:lstStyle>
           <a:p>
@@ -989,18 +1019,13 @@
               <a:rPr lang="fi-FI"/>
               <a:t>Muokkaa ots. perustyyl. napsautt.</a:t>
             </a:r>
-          </a:p>
-        </p:txBody>
-      </p:sp>
-      <p:sp>
-        <p:nvSpPr>
-          <p:cNvPr id="3" name="Tekstin paikkamerkki 2">
-            <a:extLst>
-              <a:ext uri="{FF2B5EF4-FFF2-40B4-BE49-F238E27FC236}">
-                <a16:creationId xmlns:a16="http://schemas.microsoft.com/office/drawing/2014/main" id="{367E4E8D-60B4-4A84-B2A2-190F4E6F1F25}"/>
-              </a:ext>
-            </a:extLst>
-          </p:cNvPr>
+            <a:endParaRPr lang="en-US" dirty="0"/>
+          </a:p>
+        </p:txBody>
+      </p:sp>
+      <p:sp>
+        <p:nvSpPr>
+          <p:cNvPr id="3" name="Text Placeholder 2"/>
           <p:cNvSpPr>
             <a:spLocks noGrp="1"/>
           </p:cNvSpPr>
@@ -1010,26 +1035,26 @@
         </p:nvSpPr>
         <p:spPr>
           <a:xfrm>
-            <a:off x="831850" y="4589463"/>
-            <a:ext cx="10515600" cy="1500187"/>
-          </a:xfrm>
-        </p:spPr>
-        <p:txBody>
-          <a:bodyPr/>
+            <a:off x="1454239" y="3806195"/>
+            <a:ext cx="8630446" cy="1012929"/>
+          </a:xfrm>
+        </p:spPr>
+        <p:txBody>
+          <a:bodyPr tIns="91440">
+            <a:normAutofit/>
+          </a:bodyPr>
           <a:lstStyle>
-            <a:lvl1pPr marL="0" indent="0">
-              <a:buNone/>
-              <a:defRPr sz="2400">
+            <a:lvl1pPr marL="0" indent="0" algn="l">
+              <a:buNone/>
+              <a:defRPr sz="1800">
                 <a:solidFill>
-                  <a:schemeClr val="tx1">
-                    <a:tint val="75000"/>
-                  </a:schemeClr>
+                  <a:schemeClr val="tx1"/>
                 </a:solidFill>
               </a:defRPr>
             </a:lvl1pPr>
             <a:lvl2pPr marL="457200" indent="0">
               <a:buNone/>
-              <a:defRPr sz="2000">
+              <a:defRPr sz="1800">
                 <a:solidFill>
                   <a:schemeClr val="tx1">
                     <a:tint val="75000"/>
@@ -1119,13 +1144,7 @@
       </p:sp>
       <p:sp>
         <p:nvSpPr>
-          <p:cNvPr id="4" name="Päivämäärän paikkamerkki 3">
-            <a:extLst>
-              <a:ext uri="{FF2B5EF4-FFF2-40B4-BE49-F238E27FC236}">
-                <a16:creationId xmlns:a16="http://schemas.microsoft.com/office/drawing/2014/main" id="{94303951-AAF2-4533-BE60-79954CF8AC94}"/>
-              </a:ext>
-            </a:extLst>
-          </p:cNvPr>
+          <p:cNvPr id="4" name="Date Placeholder 3"/>
           <p:cNvSpPr>
             <a:spLocks noGrp="1"/>
           </p:cNvSpPr>
@@ -1140,7 +1159,7 @@
           <a:p>
             <a:fld id="{298E5DBA-D414-4DD7-9ED3-606EE3C5B87C}" type="datetimeFigureOut">
               <a:rPr lang="fi-FI" smtClean="0"/>
-              <a:t>28.2.2020</a:t>
+              <a:t>3.3.2020</a:t>
             </a:fld>
             <a:endParaRPr lang="fi-FI"/>
           </a:p>
@@ -1148,13 +1167,7 @@
       </p:sp>
       <p:sp>
         <p:nvSpPr>
-          <p:cNvPr id="5" name="Alatunnisteen paikkamerkki 4">
-            <a:extLst>
-              <a:ext uri="{FF2B5EF4-FFF2-40B4-BE49-F238E27FC236}">
-                <a16:creationId xmlns:a16="http://schemas.microsoft.com/office/drawing/2014/main" id="{6CA826CF-89B8-4DF3-9437-292AB2FD6AAA}"/>
-              </a:ext>
-            </a:extLst>
-          </p:cNvPr>
+          <p:cNvPr id="5" name="Footer Placeholder 4"/>
           <p:cNvSpPr>
             <a:spLocks noGrp="1"/>
           </p:cNvSpPr>
@@ -1173,13 +1186,7 @@
       </p:sp>
       <p:sp>
         <p:nvSpPr>
-          <p:cNvPr id="6" name="Dian numeron paikkamerkki 5">
-            <a:extLst>
-              <a:ext uri="{FF2B5EF4-FFF2-40B4-BE49-F238E27FC236}">
-                <a16:creationId xmlns:a16="http://schemas.microsoft.com/office/drawing/2014/main" id="{16A80A7D-CDD4-49F2-9A5B-AEC928DEB555}"/>
-              </a:ext>
-            </a:extLst>
-          </p:cNvPr>
+          <p:cNvPr id="6" name="Slide Number Placeholder 5"/>
           <p:cNvSpPr>
             <a:spLocks noGrp="1"/>
           </p:cNvSpPr>
@@ -1200,10 +1207,41 @@
           </a:p>
         </p:txBody>
       </p:sp>
+      <p:cxnSp>
+        <p:nvCxnSpPr>
+          <p:cNvPr id="15" name="Straight Connector 14"/>
+          <p:cNvCxnSpPr/>
+          <p:nvPr/>
+        </p:nvCxnSpPr>
+        <p:spPr>
+          <a:xfrm>
+            <a:off x="1454239" y="3804985"/>
+            <a:ext cx="8630446" cy="0"/>
+          </a:xfrm>
+          <a:prstGeom prst="line">
+            <a:avLst/>
+          </a:prstGeom>
+          <a:ln w="31750"/>
+        </p:spPr>
+        <p:style>
+          <a:lnRef idx="3">
+            <a:schemeClr val="accent1"/>
+          </a:lnRef>
+          <a:fillRef idx="0">
+            <a:schemeClr val="accent1"/>
+          </a:fillRef>
+          <a:effectRef idx="2">
+            <a:schemeClr val="accent1"/>
+          </a:effectRef>
+          <a:fontRef idx="minor">
+            <a:schemeClr val="tx1"/>
+          </a:fontRef>
+        </p:style>
+      </p:cxnSp>
     </p:spTree>
     <p:extLst>
       <p:ext uri="{BB962C8B-B14F-4D97-AF65-F5344CB8AC3E}">
-        <p14:creationId xmlns:p14="http://schemas.microsoft.com/office/powerpoint/2010/main" val="185302906"/>
+        <p14:creationId xmlns:p14="http://schemas.microsoft.com/office/powerpoint/2010/main" val="1790703047"/>
       </p:ext>
     </p:extLst>
   </p:cSld>
@@ -1232,13 +1270,7 @@
       </p:grpSpPr>
       <p:sp>
         <p:nvSpPr>
-          <p:cNvPr id="2" name="Otsikko 1">
-            <a:extLst>
-              <a:ext uri="{FF2B5EF4-FFF2-40B4-BE49-F238E27FC236}">
-                <a16:creationId xmlns:a16="http://schemas.microsoft.com/office/drawing/2014/main" id="{0E69E3CD-43A1-4CF6-B80B-23354128B264}"/>
-              </a:ext>
-            </a:extLst>
-          </p:cNvPr>
+          <p:cNvPr id="2" name="Title 1"/>
           <p:cNvSpPr>
             <a:spLocks noGrp="1"/>
           </p:cNvSpPr>
@@ -1246,7 +1278,12 @@
             <p:ph type="title"/>
           </p:nvPr>
         </p:nvSpPr>
-        <p:spPr/>
+        <p:spPr>
+          <a:xfrm>
+            <a:off x="1449217" y="804889"/>
+            <a:ext cx="9605635" cy="1059305"/>
+          </a:xfrm>
+        </p:spPr>
         <p:txBody>
           <a:bodyPr/>
           <a:lstStyle/>
@@ -1255,18 +1292,13 @@
               <a:rPr lang="fi-FI"/>
               <a:t>Muokkaa ots. perustyyl. napsautt.</a:t>
             </a:r>
-          </a:p>
-        </p:txBody>
-      </p:sp>
-      <p:sp>
-        <p:nvSpPr>
-          <p:cNvPr id="3" name="Sisällön paikkamerkki 2">
-            <a:extLst>
-              <a:ext uri="{FF2B5EF4-FFF2-40B4-BE49-F238E27FC236}">
-                <a16:creationId xmlns:a16="http://schemas.microsoft.com/office/drawing/2014/main" id="{99CD4F5E-DDE0-4727-9F58-F693DF4ACD3B}"/>
-              </a:ext>
-            </a:extLst>
-          </p:cNvPr>
+            <a:endParaRPr lang="en-US" dirty="0"/>
+          </a:p>
+        </p:txBody>
+      </p:sp>
+      <p:sp>
+        <p:nvSpPr>
+          <p:cNvPr id="3" name="Content Placeholder 2"/>
           <p:cNvSpPr>
             <a:spLocks noGrp="1"/>
           </p:cNvSpPr>
@@ -1276,8 +1308,8 @@
         </p:nvSpPr>
         <p:spPr>
           <a:xfrm>
-            <a:off x="838200" y="1825625"/>
-            <a:ext cx="5181600" cy="4351338"/>
+            <a:off x="1447331" y="2010878"/>
+            <a:ext cx="4645152" cy="3448595"/>
           </a:xfrm>
         </p:spPr>
         <p:txBody>
@@ -1317,18 +1349,13 @@
               <a:rPr lang="fi-FI"/>
               <a:t>viides taso</a:t>
             </a:r>
-          </a:p>
-        </p:txBody>
-      </p:sp>
-      <p:sp>
-        <p:nvSpPr>
-          <p:cNvPr id="4" name="Sisällön paikkamerkki 3">
-            <a:extLst>
-              <a:ext uri="{FF2B5EF4-FFF2-40B4-BE49-F238E27FC236}">
-                <a16:creationId xmlns:a16="http://schemas.microsoft.com/office/drawing/2014/main" id="{E0382D9B-2F4D-4B0F-BA75-4BB89356AA59}"/>
-              </a:ext>
-            </a:extLst>
-          </p:cNvPr>
+            <a:endParaRPr lang="en-US" dirty="0"/>
+          </a:p>
+        </p:txBody>
+      </p:sp>
+      <p:sp>
+        <p:nvSpPr>
+          <p:cNvPr id="4" name="Content Placeholder 3"/>
           <p:cNvSpPr>
             <a:spLocks noGrp="1"/>
           </p:cNvSpPr>
@@ -1338,8 +1365,8 @@
         </p:nvSpPr>
         <p:spPr>
           <a:xfrm>
-            <a:off x="6172200" y="1825625"/>
-            <a:ext cx="5181600" cy="4351338"/>
+            <a:off x="6413771" y="2017343"/>
+            <a:ext cx="4645152" cy="3441520"/>
           </a:xfrm>
         </p:spPr>
         <p:txBody>
@@ -1379,18 +1406,13 @@
               <a:rPr lang="fi-FI"/>
               <a:t>viides taso</a:t>
             </a:r>
-          </a:p>
-        </p:txBody>
-      </p:sp>
-      <p:sp>
-        <p:nvSpPr>
-          <p:cNvPr id="5" name="Päivämäärän paikkamerkki 4">
-            <a:extLst>
-              <a:ext uri="{FF2B5EF4-FFF2-40B4-BE49-F238E27FC236}">
-                <a16:creationId xmlns:a16="http://schemas.microsoft.com/office/drawing/2014/main" id="{E7D974E5-08C5-4684-B52E-9F01EF699FF5}"/>
-              </a:ext>
-            </a:extLst>
-          </p:cNvPr>
+            <a:endParaRPr lang="en-US" dirty="0"/>
+          </a:p>
+        </p:txBody>
+      </p:sp>
+      <p:sp>
+        <p:nvSpPr>
+          <p:cNvPr id="5" name="Date Placeholder 4"/>
           <p:cNvSpPr>
             <a:spLocks noGrp="1"/>
           </p:cNvSpPr>
@@ -1405,7 +1427,7 @@
           <a:p>
             <a:fld id="{298E5DBA-D414-4DD7-9ED3-606EE3C5B87C}" type="datetimeFigureOut">
               <a:rPr lang="fi-FI" smtClean="0"/>
-              <a:t>28.2.2020</a:t>
+              <a:t>3.3.2020</a:t>
             </a:fld>
             <a:endParaRPr lang="fi-FI"/>
           </a:p>
@@ -1413,13 +1435,7 @@
       </p:sp>
       <p:sp>
         <p:nvSpPr>
-          <p:cNvPr id="6" name="Alatunnisteen paikkamerkki 5">
-            <a:extLst>
-              <a:ext uri="{FF2B5EF4-FFF2-40B4-BE49-F238E27FC236}">
-                <a16:creationId xmlns:a16="http://schemas.microsoft.com/office/drawing/2014/main" id="{37A1F4A0-982D-4552-9E56-2084E32A30DA}"/>
-              </a:ext>
-            </a:extLst>
-          </p:cNvPr>
+          <p:cNvPr id="6" name="Footer Placeholder 5"/>
           <p:cNvSpPr>
             <a:spLocks noGrp="1"/>
           </p:cNvSpPr>
@@ -1438,13 +1454,7 @@
       </p:sp>
       <p:sp>
         <p:nvSpPr>
-          <p:cNvPr id="7" name="Dian numeron paikkamerkki 6">
-            <a:extLst>
-              <a:ext uri="{FF2B5EF4-FFF2-40B4-BE49-F238E27FC236}">
-                <a16:creationId xmlns:a16="http://schemas.microsoft.com/office/drawing/2014/main" id="{2EC15E9C-B49A-4BFE-8E36-853ACCC32C19}"/>
-              </a:ext>
-            </a:extLst>
-          </p:cNvPr>
+          <p:cNvPr id="7" name="Slide Number Placeholder 6"/>
           <p:cNvSpPr>
             <a:spLocks noGrp="1"/>
           </p:cNvSpPr>
@@ -1465,10 +1475,41 @@
           </a:p>
         </p:txBody>
       </p:sp>
+      <p:cxnSp>
+        <p:nvCxnSpPr>
+          <p:cNvPr id="35" name="Straight Connector 34"/>
+          <p:cNvCxnSpPr/>
+          <p:nvPr/>
+        </p:nvCxnSpPr>
+        <p:spPr>
+          <a:xfrm>
+            <a:off x="1453896" y="1847088"/>
+            <a:ext cx="9607522" cy="0"/>
+          </a:xfrm>
+          <a:prstGeom prst="line">
+            <a:avLst/>
+          </a:prstGeom>
+          <a:ln w="31750"/>
+        </p:spPr>
+        <p:style>
+          <a:lnRef idx="3">
+            <a:schemeClr val="accent1"/>
+          </a:lnRef>
+          <a:fillRef idx="0">
+            <a:schemeClr val="accent1"/>
+          </a:fillRef>
+          <a:effectRef idx="2">
+            <a:schemeClr val="accent1"/>
+          </a:effectRef>
+          <a:fontRef idx="minor">
+            <a:schemeClr val="tx1"/>
+          </a:fontRef>
+        </p:style>
+      </p:cxnSp>
     </p:spTree>
     <p:extLst>
       <p:ext uri="{BB962C8B-B14F-4D97-AF65-F5344CB8AC3E}">
-        <p14:creationId xmlns:p14="http://schemas.microsoft.com/office/powerpoint/2010/main" val="2078585479"/>
+        <p14:creationId xmlns:p14="http://schemas.microsoft.com/office/powerpoint/2010/main" val="1848612099"/>
       </p:ext>
     </p:extLst>
   </p:cSld>
@@ -1497,13 +1538,7 @@
       </p:grpSpPr>
       <p:sp>
         <p:nvSpPr>
-          <p:cNvPr id="2" name="Otsikko 1">
-            <a:extLst>
-              <a:ext uri="{FF2B5EF4-FFF2-40B4-BE49-F238E27FC236}">
-                <a16:creationId xmlns:a16="http://schemas.microsoft.com/office/drawing/2014/main" id="{DCD70AAD-BA02-4426-9534-47D2D395BBB5}"/>
-              </a:ext>
-            </a:extLst>
-          </p:cNvPr>
+          <p:cNvPr id="2" name="Title 1"/>
           <p:cNvSpPr>
             <a:spLocks noGrp="1"/>
           </p:cNvSpPr>
@@ -1513,8 +1548,8 @@
         </p:nvSpPr>
         <p:spPr>
           <a:xfrm>
-            <a:off x="839788" y="365125"/>
-            <a:ext cx="10515600" cy="1325563"/>
+            <a:off x="1447191" y="804163"/>
+            <a:ext cx="9607661" cy="1056319"/>
           </a:xfrm>
         </p:spPr>
         <p:txBody>
@@ -1525,18 +1560,13 @@
               <a:rPr lang="fi-FI"/>
               <a:t>Muokkaa ots. perustyyl. napsautt.</a:t>
             </a:r>
-          </a:p>
-        </p:txBody>
-      </p:sp>
-      <p:sp>
-        <p:nvSpPr>
-          <p:cNvPr id="3" name="Tekstin paikkamerkki 2">
-            <a:extLst>
-              <a:ext uri="{FF2B5EF4-FFF2-40B4-BE49-F238E27FC236}">
-                <a16:creationId xmlns:a16="http://schemas.microsoft.com/office/drawing/2014/main" id="{4B0556B1-A3B3-4B51-9DB1-84EACA4F3FDE}"/>
-              </a:ext>
-            </a:extLst>
-          </p:cNvPr>
+            <a:endParaRPr lang="en-US" dirty="0"/>
+          </a:p>
+        </p:txBody>
+      </p:sp>
+      <p:sp>
+        <p:nvSpPr>
+          <p:cNvPr id="3" name="Text Placeholder 2"/>
           <p:cNvSpPr>
             <a:spLocks noGrp="1"/>
           </p:cNvSpPr>
@@ -1546,16 +1576,25 @@
         </p:nvSpPr>
         <p:spPr>
           <a:xfrm>
-            <a:off x="839788" y="1681163"/>
-            <a:ext cx="5157787" cy="823912"/>
-          </a:xfrm>
-        </p:spPr>
-        <p:txBody>
-          <a:bodyPr anchor="b"/>
+            <a:off x="1447191" y="2019549"/>
+            <a:ext cx="4645152" cy="801943"/>
+          </a:xfrm>
+        </p:spPr>
+        <p:txBody>
+          <a:bodyPr anchor="b">
+            <a:normAutofit/>
+          </a:bodyPr>
           <a:lstStyle>
             <a:lvl1pPr marL="0" indent="0">
-              <a:buNone/>
-              <a:defRPr sz="2400" b="1"/>
+              <a:lnSpc>
+                <a:spcPct val="100000"/>
+              </a:lnSpc>
+              <a:buNone/>
+              <a:defRPr sz="2200" b="0" cap="all" baseline="0">
+                <a:solidFill>
+                  <a:schemeClr val="accent1"/>
+                </a:solidFill>
+              </a:defRPr>
             </a:lvl1pPr>
             <a:lvl2pPr marL="457200" indent="0">
               <a:buNone/>
@@ -1601,13 +1640,7 @@
       </p:sp>
       <p:sp>
         <p:nvSpPr>
-          <p:cNvPr id="4" name="Sisällön paikkamerkki 3">
-            <a:extLst>
-              <a:ext uri="{FF2B5EF4-FFF2-40B4-BE49-F238E27FC236}">
-                <a16:creationId xmlns:a16="http://schemas.microsoft.com/office/drawing/2014/main" id="{7E8EA613-A482-4A12-8E40-338D9D3EA9C9}"/>
-              </a:ext>
-            </a:extLst>
-          </p:cNvPr>
+          <p:cNvPr id="4" name="Content Placeholder 3"/>
           <p:cNvSpPr>
             <a:spLocks noGrp="1"/>
           </p:cNvSpPr>
@@ -1617,8 +1650,8 @@
         </p:nvSpPr>
         <p:spPr>
           <a:xfrm>
-            <a:off x="839788" y="2505075"/>
-            <a:ext cx="5157787" cy="3684588"/>
+            <a:off x="1447191" y="2824269"/>
+            <a:ext cx="4645152" cy="2644457"/>
           </a:xfrm>
         </p:spPr>
         <p:txBody>
@@ -1658,18 +1691,13 @@
               <a:rPr lang="fi-FI"/>
               <a:t>viides taso</a:t>
             </a:r>
-          </a:p>
-        </p:txBody>
-      </p:sp>
-      <p:sp>
-        <p:nvSpPr>
-          <p:cNvPr id="5" name="Tekstin paikkamerkki 4">
-            <a:extLst>
-              <a:ext uri="{FF2B5EF4-FFF2-40B4-BE49-F238E27FC236}">
-                <a16:creationId xmlns:a16="http://schemas.microsoft.com/office/drawing/2014/main" id="{7253D9B8-A416-4F22-A0E5-A78F732F91C6}"/>
-              </a:ext>
-            </a:extLst>
-          </p:cNvPr>
+            <a:endParaRPr lang="en-US" dirty="0"/>
+          </a:p>
+        </p:txBody>
+      </p:sp>
+      <p:sp>
+        <p:nvSpPr>
+          <p:cNvPr id="5" name="Text Placeholder 4"/>
           <p:cNvSpPr>
             <a:spLocks noGrp="1"/>
           </p:cNvSpPr>
@@ -1679,16 +1707,25 @@
         </p:nvSpPr>
         <p:spPr>
           <a:xfrm>
-            <a:off x="6172200" y="1681163"/>
-            <a:ext cx="5183188" cy="823912"/>
-          </a:xfrm>
-        </p:spPr>
-        <p:txBody>
-          <a:bodyPr anchor="b"/>
+            <a:off x="6412362" y="2023003"/>
+            <a:ext cx="4645152" cy="802237"/>
+          </a:xfrm>
+        </p:spPr>
+        <p:txBody>
+          <a:bodyPr anchor="b">
+            <a:normAutofit/>
+          </a:bodyPr>
           <a:lstStyle>
             <a:lvl1pPr marL="0" indent="0">
-              <a:buNone/>
-              <a:defRPr sz="2400" b="1"/>
+              <a:lnSpc>
+                <a:spcPct val="100000"/>
+              </a:lnSpc>
+              <a:buNone/>
+              <a:defRPr sz="2200" b="0" cap="all" baseline="0">
+                <a:solidFill>
+                  <a:schemeClr val="accent1"/>
+                </a:solidFill>
+              </a:defRPr>
             </a:lvl1pPr>
             <a:lvl2pPr marL="457200" indent="0">
               <a:buNone/>
@@ -1734,13 +1771,7 @@
       </p:sp>
       <p:sp>
         <p:nvSpPr>
-          <p:cNvPr id="6" name="Sisällön paikkamerkki 5">
-            <a:extLst>
-              <a:ext uri="{FF2B5EF4-FFF2-40B4-BE49-F238E27FC236}">
-                <a16:creationId xmlns:a16="http://schemas.microsoft.com/office/drawing/2014/main" id="{D2BB96A6-610E-4027-8521-44B0A2E3013D}"/>
-              </a:ext>
-            </a:extLst>
-          </p:cNvPr>
+          <p:cNvPr id="6" name="Content Placeholder 5"/>
           <p:cNvSpPr>
             <a:spLocks noGrp="1"/>
           </p:cNvSpPr>
@@ -1750,8 +1781,8 @@
         </p:nvSpPr>
         <p:spPr>
           <a:xfrm>
-            <a:off x="6172200" y="2505075"/>
-            <a:ext cx="5183188" cy="3684588"/>
+            <a:off x="6412362" y="2821491"/>
+            <a:ext cx="4645152" cy="2637371"/>
           </a:xfrm>
         </p:spPr>
         <p:txBody>
@@ -1791,18 +1822,13 @@
               <a:rPr lang="fi-FI"/>
               <a:t>viides taso</a:t>
             </a:r>
-          </a:p>
-        </p:txBody>
-      </p:sp>
-      <p:sp>
-        <p:nvSpPr>
-          <p:cNvPr id="7" name="Päivämäärän paikkamerkki 6">
-            <a:extLst>
-              <a:ext uri="{FF2B5EF4-FFF2-40B4-BE49-F238E27FC236}">
-                <a16:creationId xmlns:a16="http://schemas.microsoft.com/office/drawing/2014/main" id="{6AE1CD04-3FBF-45A0-A0EB-586054F37F03}"/>
-              </a:ext>
-            </a:extLst>
-          </p:cNvPr>
+            <a:endParaRPr lang="en-US" dirty="0"/>
+          </a:p>
+        </p:txBody>
+      </p:sp>
+      <p:sp>
+        <p:nvSpPr>
+          <p:cNvPr id="7" name="Date Placeholder 6"/>
           <p:cNvSpPr>
             <a:spLocks noGrp="1"/>
           </p:cNvSpPr>
@@ -1817,7 +1843,7 @@
           <a:p>
             <a:fld id="{298E5DBA-D414-4DD7-9ED3-606EE3C5B87C}" type="datetimeFigureOut">
               <a:rPr lang="fi-FI" smtClean="0"/>
-              <a:t>28.2.2020</a:t>
+              <a:t>3.3.2020</a:t>
             </a:fld>
             <a:endParaRPr lang="fi-FI"/>
           </a:p>
@@ -1825,13 +1851,7 @@
       </p:sp>
       <p:sp>
         <p:nvSpPr>
-          <p:cNvPr id="8" name="Alatunnisteen paikkamerkki 7">
-            <a:extLst>
-              <a:ext uri="{FF2B5EF4-FFF2-40B4-BE49-F238E27FC236}">
-                <a16:creationId xmlns:a16="http://schemas.microsoft.com/office/drawing/2014/main" id="{28DD9BB9-6228-4F64-AAB6-51D65D9595D6}"/>
-              </a:ext>
-            </a:extLst>
-          </p:cNvPr>
+          <p:cNvPr id="8" name="Footer Placeholder 7"/>
           <p:cNvSpPr>
             <a:spLocks noGrp="1"/>
           </p:cNvSpPr>
@@ -1850,13 +1870,7 @@
       </p:sp>
       <p:sp>
         <p:nvSpPr>
-          <p:cNvPr id="9" name="Dian numeron paikkamerkki 8">
-            <a:extLst>
-              <a:ext uri="{FF2B5EF4-FFF2-40B4-BE49-F238E27FC236}">
-                <a16:creationId xmlns:a16="http://schemas.microsoft.com/office/drawing/2014/main" id="{89C37A1E-7E76-4832-9002-4D54F428537A}"/>
-              </a:ext>
-            </a:extLst>
-          </p:cNvPr>
+          <p:cNvPr id="9" name="Slide Number Placeholder 8"/>
           <p:cNvSpPr>
             <a:spLocks noGrp="1"/>
           </p:cNvSpPr>
@@ -1877,10 +1891,41 @@
           </a:p>
         </p:txBody>
       </p:sp>
+      <p:cxnSp>
+        <p:nvCxnSpPr>
+          <p:cNvPr id="29" name="Straight Connector 28"/>
+          <p:cNvCxnSpPr/>
+          <p:nvPr/>
+        </p:nvCxnSpPr>
+        <p:spPr>
+          <a:xfrm>
+            <a:off x="1453896" y="1847088"/>
+            <a:ext cx="9607522" cy="0"/>
+          </a:xfrm>
+          <a:prstGeom prst="line">
+            <a:avLst/>
+          </a:prstGeom>
+          <a:ln w="31750"/>
+        </p:spPr>
+        <p:style>
+          <a:lnRef idx="3">
+            <a:schemeClr val="accent1"/>
+          </a:lnRef>
+          <a:fillRef idx="0">
+            <a:schemeClr val="accent1"/>
+          </a:fillRef>
+          <a:effectRef idx="2">
+            <a:schemeClr val="accent1"/>
+          </a:effectRef>
+          <a:fontRef idx="minor">
+            <a:schemeClr val="tx1"/>
+          </a:fontRef>
+        </p:style>
+      </p:cxnSp>
     </p:spTree>
     <p:extLst>
       <p:ext uri="{BB962C8B-B14F-4D97-AF65-F5344CB8AC3E}">
-        <p14:creationId xmlns:p14="http://schemas.microsoft.com/office/powerpoint/2010/main" val="1170492854"/>
+        <p14:creationId xmlns:p14="http://schemas.microsoft.com/office/powerpoint/2010/main" val="2738783345"/>
       </p:ext>
     </p:extLst>
   </p:cSld>
@@ -1909,13 +1954,7 @@
       </p:grpSpPr>
       <p:sp>
         <p:nvSpPr>
-          <p:cNvPr id="2" name="Otsikko 1">
-            <a:extLst>
-              <a:ext uri="{FF2B5EF4-FFF2-40B4-BE49-F238E27FC236}">
-                <a16:creationId xmlns:a16="http://schemas.microsoft.com/office/drawing/2014/main" id="{48EB0F74-EEBA-4688-960C-F1F7328E389C}"/>
-              </a:ext>
-            </a:extLst>
-          </p:cNvPr>
+          <p:cNvPr id="2" name="Title 1"/>
           <p:cNvSpPr>
             <a:spLocks noGrp="1"/>
           </p:cNvSpPr>
@@ -1932,18 +1971,13 @@
               <a:rPr lang="fi-FI"/>
               <a:t>Muokkaa ots. perustyyl. napsautt.</a:t>
             </a:r>
-          </a:p>
-        </p:txBody>
-      </p:sp>
-      <p:sp>
-        <p:nvSpPr>
-          <p:cNvPr id="3" name="Päivämäärän paikkamerkki 2">
-            <a:extLst>
-              <a:ext uri="{FF2B5EF4-FFF2-40B4-BE49-F238E27FC236}">
-                <a16:creationId xmlns:a16="http://schemas.microsoft.com/office/drawing/2014/main" id="{E5DF3845-8892-4EF7-9F26-CFD7BEF7F063}"/>
-              </a:ext>
-            </a:extLst>
-          </p:cNvPr>
+            <a:endParaRPr lang="en-US" dirty="0"/>
+          </a:p>
+        </p:txBody>
+      </p:sp>
+      <p:sp>
+        <p:nvSpPr>
+          <p:cNvPr id="3" name="Date Placeholder 2"/>
           <p:cNvSpPr>
             <a:spLocks noGrp="1"/>
           </p:cNvSpPr>
@@ -1958,7 +1992,7 @@
           <a:p>
             <a:fld id="{298E5DBA-D414-4DD7-9ED3-606EE3C5B87C}" type="datetimeFigureOut">
               <a:rPr lang="fi-FI" smtClean="0"/>
-              <a:t>28.2.2020</a:t>
+              <a:t>3.3.2020</a:t>
             </a:fld>
             <a:endParaRPr lang="fi-FI"/>
           </a:p>
@@ -1966,13 +2000,7 @@
       </p:sp>
       <p:sp>
         <p:nvSpPr>
-          <p:cNvPr id="4" name="Alatunnisteen paikkamerkki 3">
-            <a:extLst>
-              <a:ext uri="{FF2B5EF4-FFF2-40B4-BE49-F238E27FC236}">
-                <a16:creationId xmlns:a16="http://schemas.microsoft.com/office/drawing/2014/main" id="{CEE1A396-03A2-4B96-904C-9FFC098F716C}"/>
-              </a:ext>
-            </a:extLst>
-          </p:cNvPr>
+          <p:cNvPr id="4" name="Footer Placeholder 3"/>
           <p:cNvSpPr>
             <a:spLocks noGrp="1"/>
           </p:cNvSpPr>
@@ -1991,13 +2019,7 @@
       </p:sp>
       <p:sp>
         <p:nvSpPr>
-          <p:cNvPr id="5" name="Dian numeron paikkamerkki 4">
-            <a:extLst>
-              <a:ext uri="{FF2B5EF4-FFF2-40B4-BE49-F238E27FC236}">
-                <a16:creationId xmlns:a16="http://schemas.microsoft.com/office/drawing/2014/main" id="{B9EF9906-B76F-427B-BAF8-8779BEB72C55}"/>
-              </a:ext>
-            </a:extLst>
-          </p:cNvPr>
+          <p:cNvPr id="5" name="Slide Number Placeholder 4"/>
           <p:cNvSpPr>
             <a:spLocks noGrp="1"/>
           </p:cNvSpPr>
@@ -2018,10 +2040,41 @@
           </a:p>
         </p:txBody>
       </p:sp>
+      <p:cxnSp>
+        <p:nvCxnSpPr>
+          <p:cNvPr id="25" name="Straight Connector 24"/>
+          <p:cNvCxnSpPr/>
+          <p:nvPr/>
+        </p:nvCxnSpPr>
+        <p:spPr>
+          <a:xfrm>
+            <a:off x="1453896" y="1847088"/>
+            <a:ext cx="9607522" cy="0"/>
+          </a:xfrm>
+          <a:prstGeom prst="line">
+            <a:avLst/>
+          </a:prstGeom>
+          <a:ln w="31750"/>
+        </p:spPr>
+        <p:style>
+          <a:lnRef idx="3">
+            <a:schemeClr val="accent1"/>
+          </a:lnRef>
+          <a:fillRef idx="0">
+            <a:schemeClr val="accent1"/>
+          </a:fillRef>
+          <a:effectRef idx="2">
+            <a:schemeClr val="accent1"/>
+          </a:effectRef>
+          <a:fontRef idx="minor">
+            <a:schemeClr val="tx1"/>
+          </a:fontRef>
+        </p:style>
+      </p:cxnSp>
     </p:spTree>
     <p:extLst>
       <p:ext uri="{BB962C8B-B14F-4D97-AF65-F5344CB8AC3E}">
-        <p14:creationId xmlns:p14="http://schemas.microsoft.com/office/powerpoint/2010/main" val="3687112791"/>
+        <p14:creationId xmlns:p14="http://schemas.microsoft.com/office/powerpoint/2010/main" val="2242770886"/>
       </p:ext>
     </p:extLst>
   </p:cSld>
@@ -2050,13 +2103,7 @@
       </p:grpSpPr>
       <p:sp>
         <p:nvSpPr>
-          <p:cNvPr id="2" name="Päivämäärän paikkamerkki 1">
-            <a:extLst>
-              <a:ext uri="{FF2B5EF4-FFF2-40B4-BE49-F238E27FC236}">
-                <a16:creationId xmlns:a16="http://schemas.microsoft.com/office/drawing/2014/main" id="{02320A1F-C590-40F4-BEB0-81071F955715}"/>
-              </a:ext>
-            </a:extLst>
-          </p:cNvPr>
+          <p:cNvPr id="2" name="Date Placeholder 1"/>
           <p:cNvSpPr>
             <a:spLocks noGrp="1"/>
           </p:cNvSpPr>
@@ -2071,7 +2118,7 @@
           <a:p>
             <a:fld id="{298E5DBA-D414-4DD7-9ED3-606EE3C5B87C}" type="datetimeFigureOut">
               <a:rPr lang="fi-FI" smtClean="0"/>
-              <a:t>28.2.2020</a:t>
+              <a:t>3.3.2020</a:t>
             </a:fld>
             <a:endParaRPr lang="fi-FI"/>
           </a:p>
@@ -2079,13 +2126,7 @@
       </p:sp>
       <p:sp>
         <p:nvSpPr>
-          <p:cNvPr id="3" name="Alatunnisteen paikkamerkki 2">
-            <a:extLst>
-              <a:ext uri="{FF2B5EF4-FFF2-40B4-BE49-F238E27FC236}">
-                <a16:creationId xmlns:a16="http://schemas.microsoft.com/office/drawing/2014/main" id="{D4B8F1FA-6B3C-4E58-A5CA-0D2129788E03}"/>
-              </a:ext>
-            </a:extLst>
-          </p:cNvPr>
+          <p:cNvPr id="3" name="Footer Placeholder 2"/>
           <p:cNvSpPr>
             <a:spLocks noGrp="1"/>
           </p:cNvSpPr>
@@ -2104,13 +2145,7 @@
       </p:sp>
       <p:sp>
         <p:nvSpPr>
-          <p:cNvPr id="4" name="Dian numeron paikkamerkki 3">
-            <a:extLst>
-              <a:ext uri="{FF2B5EF4-FFF2-40B4-BE49-F238E27FC236}">
-                <a16:creationId xmlns:a16="http://schemas.microsoft.com/office/drawing/2014/main" id="{DBB030A9-E333-485E-90B0-AC01366645F5}"/>
-              </a:ext>
-            </a:extLst>
-          </p:cNvPr>
+          <p:cNvPr id="4" name="Slide Number Placeholder 3"/>
           <p:cNvSpPr>
             <a:spLocks noGrp="1"/>
           </p:cNvSpPr>
@@ -2134,7 +2169,7 @@
     </p:spTree>
     <p:extLst>
       <p:ext uri="{BB962C8B-B14F-4D97-AF65-F5344CB8AC3E}">
-        <p14:creationId xmlns:p14="http://schemas.microsoft.com/office/powerpoint/2010/main" val="4208755910"/>
+        <p14:creationId xmlns:p14="http://schemas.microsoft.com/office/powerpoint/2010/main" val="936270516"/>
       </p:ext>
     </p:extLst>
   </p:cSld>
@@ -2163,13 +2198,7 @@
       </p:grpSpPr>
       <p:sp>
         <p:nvSpPr>
-          <p:cNvPr id="2" name="Otsikko 1">
-            <a:extLst>
-              <a:ext uri="{FF2B5EF4-FFF2-40B4-BE49-F238E27FC236}">
-                <a16:creationId xmlns:a16="http://schemas.microsoft.com/office/drawing/2014/main" id="{EE7B54D3-7BE3-4AFB-B203-438BD9572783}"/>
-              </a:ext>
-            </a:extLst>
-          </p:cNvPr>
+          <p:cNvPr id="2" name="Title 1"/>
           <p:cNvSpPr>
             <a:spLocks noGrp="1"/>
           </p:cNvSpPr>
@@ -2179,15 +2208,17 @@
         </p:nvSpPr>
         <p:spPr>
           <a:xfrm>
-            <a:off x="839788" y="457200"/>
-            <a:ext cx="3932237" cy="1600200"/>
-          </a:xfrm>
-        </p:spPr>
-        <p:txBody>
-          <a:bodyPr anchor="b"/>
+            <a:off x="1444671" y="798973"/>
+            <a:ext cx="3273099" cy="2247117"/>
+          </a:xfrm>
+        </p:spPr>
+        <p:txBody>
+          <a:bodyPr anchor="b">
+            <a:normAutofit/>
+          </a:bodyPr>
           <a:lstStyle>
-            <a:lvl1pPr>
-              <a:defRPr sz="3200"/>
+            <a:lvl1pPr algn="l">
+              <a:defRPr sz="2400"/>
             </a:lvl1pPr>
           </a:lstStyle>
           <a:p>
@@ -2195,18 +2226,13 @@
               <a:rPr lang="fi-FI"/>
               <a:t>Muokkaa ots. perustyyl. napsautt.</a:t>
             </a:r>
-          </a:p>
-        </p:txBody>
-      </p:sp>
-      <p:sp>
-        <p:nvSpPr>
-          <p:cNvPr id="3" name="Sisällön paikkamerkki 2">
-            <a:extLst>
-              <a:ext uri="{FF2B5EF4-FFF2-40B4-BE49-F238E27FC236}">
-                <a16:creationId xmlns:a16="http://schemas.microsoft.com/office/drawing/2014/main" id="{6135343A-4CFE-4D4E-AF33-C4CAFD20B015}"/>
-              </a:ext>
-            </a:extLst>
-          </p:cNvPr>
+            <a:endParaRPr lang="en-US" dirty="0"/>
+          </a:p>
+        </p:txBody>
+      </p:sp>
+      <p:sp>
+        <p:nvSpPr>
+          <p:cNvPr id="3" name="Content Placeholder 2"/>
           <p:cNvSpPr>
             <a:spLocks noGrp="1"/>
           </p:cNvSpPr>
@@ -2216,104 +2242,71 @@
         </p:nvSpPr>
         <p:spPr>
           <a:xfrm>
-            <a:off x="5183188" y="987425"/>
-            <a:ext cx="6172200" cy="4873625"/>
+            <a:off x="5043714" y="798974"/>
+            <a:ext cx="6012470" cy="4658826"/>
+          </a:xfrm>
+        </p:spPr>
+        <p:txBody>
+          <a:bodyPr anchor="ctr"/>
+          <a:lstStyle/>
+          <a:p>
+            <a:pPr lvl="0"/>
+            <a:r>
+              <a:rPr lang="fi-FI"/>
+              <a:t>Muokkaa tekstin perustyylejä</a:t>
+            </a:r>
+          </a:p>
+          <a:p>
+            <a:pPr lvl="1"/>
+            <a:r>
+              <a:rPr lang="fi-FI"/>
+              <a:t>toinen taso</a:t>
+            </a:r>
+          </a:p>
+          <a:p>
+            <a:pPr lvl="2"/>
+            <a:r>
+              <a:rPr lang="fi-FI"/>
+              <a:t>kolmas taso</a:t>
+            </a:r>
+          </a:p>
+          <a:p>
+            <a:pPr lvl="3"/>
+            <a:r>
+              <a:rPr lang="fi-FI"/>
+              <a:t>neljäs taso</a:t>
+            </a:r>
+          </a:p>
+          <a:p>
+            <a:pPr lvl="4"/>
+            <a:r>
+              <a:rPr lang="fi-FI"/>
+              <a:t>viides taso</a:t>
+            </a:r>
+            <a:endParaRPr lang="en-US" dirty="0"/>
+          </a:p>
+        </p:txBody>
+      </p:sp>
+      <p:sp>
+        <p:nvSpPr>
+          <p:cNvPr id="4" name="Text Placeholder 3"/>
+          <p:cNvSpPr>
+            <a:spLocks noGrp="1"/>
+          </p:cNvSpPr>
+          <p:nvPr>
+            <p:ph type="body" sz="half" idx="2"/>
+          </p:nvPr>
+        </p:nvSpPr>
+        <p:spPr>
+          <a:xfrm>
+            <a:off x="1444671" y="3205491"/>
+            <a:ext cx="3275013" cy="2248181"/>
           </a:xfrm>
         </p:spPr>
         <p:txBody>
           <a:bodyPr/>
           <a:lstStyle>
-            <a:lvl1pPr>
-              <a:defRPr sz="3200"/>
-            </a:lvl1pPr>
-            <a:lvl2pPr>
-              <a:defRPr sz="2800"/>
-            </a:lvl2pPr>
-            <a:lvl3pPr>
-              <a:defRPr sz="2400"/>
-            </a:lvl3pPr>
-            <a:lvl4pPr>
-              <a:defRPr sz="2000"/>
-            </a:lvl4pPr>
-            <a:lvl5pPr>
-              <a:defRPr sz="2000"/>
-            </a:lvl5pPr>
-            <a:lvl6pPr>
-              <a:defRPr sz="2000"/>
-            </a:lvl6pPr>
-            <a:lvl7pPr>
-              <a:defRPr sz="2000"/>
-            </a:lvl7pPr>
-            <a:lvl8pPr>
-              <a:defRPr sz="2000"/>
-            </a:lvl8pPr>
-            <a:lvl9pPr>
-              <a:defRPr sz="2000"/>
-            </a:lvl9pPr>
-          </a:lstStyle>
-          <a:p>
-            <a:pPr lvl="0"/>
-            <a:r>
-              <a:rPr lang="fi-FI"/>
-              <a:t>Muokkaa tekstin perustyylejä</a:t>
-            </a:r>
-          </a:p>
-          <a:p>
-            <a:pPr lvl="1"/>
-            <a:r>
-              <a:rPr lang="fi-FI"/>
-              <a:t>toinen taso</a:t>
-            </a:r>
-          </a:p>
-          <a:p>
-            <a:pPr lvl="2"/>
-            <a:r>
-              <a:rPr lang="fi-FI"/>
-              <a:t>kolmas taso</a:t>
-            </a:r>
-          </a:p>
-          <a:p>
-            <a:pPr lvl="3"/>
-            <a:r>
-              <a:rPr lang="fi-FI"/>
-              <a:t>neljäs taso</a:t>
-            </a:r>
-          </a:p>
-          <a:p>
-            <a:pPr lvl="4"/>
-            <a:r>
-              <a:rPr lang="fi-FI"/>
-              <a:t>viides taso</a:t>
-            </a:r>
-          </a:p>
-        </p:txBody>
-      </p:sp>
-      <p:sp>
-        <p:nvSpPr>
-          <p:cNvPr id="4" name="Tekstin paikkamerkki 3">
-            <a:extLst>
-              <a:ext uri="{FF2B5EF4-FFF2-40B4-BE49-F238E27FC236}">
-                <a16:creationId xmlns:a16="http://schemas.microsoft.com/office/drawing/2014/main" id="{BF2FA660-7F40-48E5-8B6A-368F3E8C54EB}"/>
-              </a:ext>
-            </a:extLst>
-          </p:cNvPr>
-          <p:cNvSpPr>
-            <a:spLocks noGrp="1"/>
-          </p:cNvSpPr>
-          <p:nvPr>
-            <p:ph type="body" sz="half" idx="2"/>
-          </p:nvPr>
-        </p:nvSpPr>
-        <p:spPr>
-          <a:xfrm>
-            <a:off x="839788" y="2057400"/>
-            <a:ext cx="3932237" cy="3811588"/>
-          </a:xfrm>
-        </p:spPr>
-        <p:txBody>
-          <a:bodyPr/>
-          <a:lstStyle>
-            <a:lvl1pPr marL="0" indent="0">
+            <a:lvl1pPr marL="0" indent="0" algn="l">
               <a:buNone/>
               <a:defRPr sz="1600"/>
             </a:lvl1pPr>
@@ -2361,13 +2354,7 @@
       </p:sp>
       <p:sp>
         <p:nvSpPr>
-          <p:cNvPr id="5" name="Päivämäärän paikkamerkki 4">
-            <a:extLst>
-              <a:ext uri="{FF2B5EF4-FFF2-40B4-BE49-F238E27FC236}">
-                <a16:creationId xmlns:a16="http://schemas.microsoft.com/office/drawing/2014/main" id="{2136020C-2A3A-4CFC-B3A3-7C43FA3D659B}"/>
-              </a:ext>
-            </a:extLst>
-          </p:cNvPr>
+          <p:cNvPr id="5" name="Date Placeholder 4"/>
           <p:cNvSpPr>
             <a:spLocks noGrp="1"/>
           </p:cNvSpPr>
@@ -2382,7 +2369,7 @@
           <a:p>
             <a:fld id="{298E5DBA-D414-4DD7-9ED3-606EE3C5B87C}" type="datetimeFigureOut">
               <a:rPr lang="fi-FI" smtClean="0"/>
-              <a:t>28.2.2020</a:t>
+              <a:t>3.3.2020</a:t>
             </a:fld>
             <a:endParaRPr lang="fi-FI"/>
           </a:p>
@@ -2390,13 +2377,7 @@
       </p:sp>
       <p:sp>
         <p:nvSpPr>
-          <p:cNvPr id="6" name="Alatunnisteen paikkamerkki 5">
-            <a:extLst>
-              <a:ext uri="{FF2B5EF4-FFF2-40B4-BE49-F238E27FC236}">
-                <a16:creationId xmlns:a16="http://schemas.microsoft.com/office/drawing/2014/main" id="{88DF0BE3-3113-4D01-AB28-91580AB6ECEA}"/>
-              </a:ext>
-            </a:extLst>
-          </p:cNvPr>
+          <p:cNvPr id="6" name="Footer Placeholder 5"/>
           <p:cNvSpPr>
             <a:spLocks noGrp="1"/>
           </p:cNvSpPr>
@@ -2415,13 +2396,7 @@
       </p:sp>
       <p:sp>
         <p:nvSpPr>
-          <p:cNvPr id="7" name="Dian numeron paikkamerkki 6">
-            <a:extLst>
-              <a:ext uri="{FF2B5EF4-FFF2-40B4-BE49-F238E27FC236}">
-                <a16:creationId xmlns:a16="http://schemas.microsoft.com/office/drawing/2014/main" id="{F0FD3532-F1D8-4484-A279-1C870900F872}"/>
-              </a:ext>
-            </a:extLst>
-          </p:cNvPr>
+          <p:cNvPr id="7" name="Slide Number Placeholder 6"/>
           <p:cNvSpPr>
             <a:spLocks noGrp="1"/>
           </p:cNvSpPr>
@@ -2442,10 +2417,41 @@
           </a:p>
         </p:txBody>
       </p:sp>
+      <p:cxnSp>
+        <p:nvCxnSpPr>
+          <p:cNvPr id="17" name="Straight Connector 16"/>
+          <p:cNvCxnSpPr/>
+          <p:nvPr/>
+        </p:nvCxnSpPr>
+        <p:spPr>
+          <a:xfrm>
+            <a:off x="1448280" y="3205491"/>
+            <a:ext cx="3269490" cy="0"/>
+          </a:xfrm>
+          <a:prstGeom prst="line">
+            <a:avLst/>
+          </a:prstGeom>
+          <a:ln w="31750"/>
+        </p:spPr>
+        <p:style>
+          <a:lnRef idx="3">
+            <a:schemeClr val="accent1"/>
+          </a:lnRef>
+          <a:fillRef idx="0">
+            <a:schemeClr val="accent1"/>
+          </a:fillRef>
+          <a:effectRef idx="2">
+            <a:schemeClr val="accent1"/>
+          </a:effectRef>
+          <a:fontRef idx="minor">
+            <a:schemeClr val="tx1"/>
+          </a:fontRef>
+        </p:style>
+      </p:cxnSp>
     </p:spTree>
     <p:extLst>
       <p:ext uri="{BB962C8B-B14F-4D97-AF65-F5344CB8AC3E}">
-        <p14:creationId xmlns:p14="http://schemas.microsoft.com/office/powerpoint/2010/main" val="3590615470"/>
+        <p14:creationId xmlns:p14="http://schemas.microsoft.com/office/powerpoint/2010/main" val="3301282689"/>
       </p:ext>
     </p:extLst>
   </p:cSld>
@@ -2472,15 +2478,143 @@
           <a:chExt cx="0" cy="0"/>
         </a:xfrm>
       </p:grpSpPr>
-      <p:sp>
-        <p:nvSpPr>
-          <p:cNvPr id="2" name="Otsikko 1">
-            <a:extLst>
-              <a:ext uri="{FF2B5EF4-FFF2-40B4-BE49-F238E27FC236}">
-                <a16:creationId xmlns:a16="http://schemas.microsoft.com/office/drawing/2014/main" id="{2E287C97-FAA3-4D2B-B756-73E10D6D6068}"/>
-              </a:ext>
-            </a:extLst>
-          </p:cNvPr>
+      <p:grpSp>
+        <p:nvGrpSpPr>
+          <p:cNvPr id="8" name="Group 7"/>
+          <p:cNvGrpSpPr/>
+          <p:nvPr/>
+        </p:nvGrpSpPr>
+        <p:grpSpPr>
+          <a:xfrm>
+            <a:off x="7477387" y="482170"/>
+            <a:ext cx="4074533" cy="5149101"/>
+            <a:chOff x="7477387" y="482170"/>
+            <a:chExt cx="4074533" cy="5149101"/>
+          </a:xfrm>
+        </p:grpSpPr>
+        <p:sp>
+          <p:nvSpPr>
+            <p:cNvPr id="18" name="Rectangle 17"/>
+            <p:cNvSpPr/>
+            <p:nvPr/>
+          </p:nvSpPr>
+          <p:spPr bwMode="black">
+            <a:xfrm>
+              <a:off x="7477387" y="482170"/>
+              <a:ext cx="4074533" cy="5149101"/>
+            </a:xfrm>
+            <a:prstGeom prst="rect">
+              <a:avLst/>
+            </a:prstGeom>
+            <a:gradFill>
+              <a:gsLst>
+                <a:gs pos="0">
+                  <a:srgbClr val="000001"/>
+                </a:gs>
+                <a:gs pos="100000">
+                  <a:srgbClr val="191919"/>
+                </a:gs>
+              </a:gsLst>
+            </a:gradFill>
+            <a:ln w="76200" cmpd="sng">
+              <a:noFill/>
+              <a:miter lim="800000"/>
+            </a:ln>
+            <a:effectLst>
+              <a:outerShdw blurRad="127000" dist="228600" dir="4740000" sx="98000" sy="98000" algn="tl" rotWithShape="0">
+                <a:srgbClr val="000000">
+                  <a:alpha val="34000"/>
+                </a:srgbClr>
+              </a:outerShdw>
+            </a:effectLst>
+            <a:scene3d>
+              <a:camera prst="orthographicFront"/>
+              <a:lightRig rig="threePt" dir="t"/>
+            </a:scene3d>
+            <a:sp3d>
+              <a:bevelT w="152400" h="50800" prst="softRound"/>
+            </a:sp3d>
+          </p:spPr>
+          <p:style>
+            <a:lnRef idx="1">
+              <a:schemeClr val="accent1"/>
+            </a:lnRef>
+            <a:fillRef idx="3">
+              <a:schemeClr val="accent1"/>
+            </a:fillRef>
+            <a:effectRef idx="2">
+              <a:schemeClr val="accent1"/>
+            </a:effectRef>
+            <a:fontRef idx="minor">
+              <a:schemeClr val="lt1"/>
+            </a:fontRef>
+          </p:style>
+        </p:sp>
+        <p:sp>
+          <p:nvSpPr>
+            <p:cNvPr id="19" name="Rectangle 18"/>
+            <p:cNvSpPr/>
+            <p:nvPr/>
+          </p:nvSpPr>
+          <p:spPr bwMode="blackWhite">
+            <a:xfrm>
+              <a:off x="7790446" y="812506"/>
+              <a:ext cx="3450289" cy="4466452"/>
+            </a:xfrm>
+            <a:prstGeom prst="rect">
+              <a:avLst/>
+            </a:prstGeom>
+            <a:gradFill>
+              <a:gsLst>
+                <a:gs pos="0">
+                  <a:srgbClr val="DADADA"/>
+                </a:gs>
+                <a:gs pos="100000">
+                  <a:srgbClr val="FFFFFE"/>
+                </a:gs>
+              </a:gsLst>
+              <a:lin ang="16200000" scaled="0"/>
+            </a:gradFill>
+            <a:ln w="50800" cmpd="sng">
+              <a:solidFill>
+                <a:srgbClr val="191919"/>
+              </a:solidFill>
+              <a:miter lim="800000"/>
+            </a:ln>
+            <a:effectLst>
+              <a:innerShdw blurRad="63500" dist="88900" dir="14100000">
+                <a:srgbClr val="000000">
+                  <a:alpha val="30000"/>
+                </a:srgbClr>
+              </a:innerShdw>
+            </a:effectLst>
+            <a:scene3d>
+              <a:camera prst="orthographicFront"/>
+              <a:lightRig rig="threePt" dir="t"/>
+            </a:scene3d>
+            <a:sp3d>
+              <a:bevelT prst="relaxedInset"/>
+            </a:sp3d>
+          </p:spPr>
+          <p:style>
+            <a:lnRef idx="1">
+              <a:schemeClr val="accent1"/>
+            </a:lnRef>
+            <a:fillRef idx="3">
+              <a:schemeClr val="accent1"/>
+            </a:fillRef>
+            <a:effectRef idx="2">
+              <a:schemeClr val="accent1"/>
+            </a:effectRef>
+            <a:fontRef idx="minor">
+              <a:schemeClr val="lt1"/>
+            </a:fontRef>
+          </p:style>
+        </p:sp>
+      </p:grpSp>
+      <p:sp>
+        <p:nvSpPr>
+          <p:cNvPr id="2" name="Title 1"/>
           <p:cNvSpPr>
             <a:spLocks noGrp="1"/>
           </p:cNvSpPr>
@@ -2490,12 +2624,14 @@
         </p:nvSpPr>
         <p:spPr>
           <a:xfrm>
-            <a:off x="839788" y="457200"/>
-            <a:ext cx="3932237" cy="1600200"/>
-          </a:xfrm>
-        </p:spPr>
-        <p:txBody>
-          <a:bodyPr anchor="b"/>
+            <a:off x="1451206" y="1129513"/>
+            <a:ext cx="5532328" cy="1830584"/>
+          </a:xfrm>
+        </p:spPr>
+        <p:txBody>
+          <a:bodyPr anchor="b">
+            <a:normAutofit/>
+          </a:bodyPr>
           <a:lstStyle>
             <a:lvl1pPr>
               <a:defRPr sz="3200"/>
@@ -2506,20 +2642,15 @@
               <a:rPr lang="fi-FI"/>
               <a:t>Muokkaa ots. perustyyl. napsautt.</a:t>
             </a:r>
-          </a:p>
-        </p:txBody>
-      </p:sp>
-      <p:sp>
-        <p:nvSpPr>
-          <p:cNvPr id="3" name="Kuvan paikkamerkki 2">
-            <a:extLst>
-              <a:ext uri="{FF2B5EF4-FFF2-40B4-BE49-F238E27FC236}">
-                <a16:creationId xmlns:a16="http://schemas.microsoft.com/office/drawing/2014/main" id="{9D111E89-20D5-4F8F-A8EC-B20E448E2D8D}"/>
-              </a:ext>
-            </a:extLst>
-          </p:cNvPr>
-          <p:cNvSpPr>
-            <a:spLocks noGrp="1"/>
+            <a:endParaRPr lang="en-US" dirty="0"/>
+          </a:p>
+        </p:txBody>
+      </p:sp>
+      <p:sp>
+        <p:nvSpPr>
+          <p:cNvPr id="3" name="Picture Placeholder 2"/>
+          <p:cNvSpPr>
+            <a:spLocks noGrp="1" noChangeAspect="1"/>
           </p:cNvSpPr>
           <p:nvPr>
             <p:ph type="pic" idx="1"/>
@@ -2527,14 +2658,24 @@
         </p:nvSpPr>
         <p:spPr>
           <a:xfrm>
-            <a:off x="5183188" y="987425"/>
-            <a:ext cx="6172200" cy="4873625"/>
-          </a:xfrm>
-        </p:spPr>
-        <p:txBody>
-          <a:bodyPr/>
+            <a:off x="8124389" y="1122542"/>
+            <a:ext cx="2791171" cy="3866327"/>
+          </a:xfrm>
+          <a:solidFill>
+            <a:schemeClr val="bg1">
+              <a:lumMod val="85000"/>
+            </a:schemeClr>
+          </a:solidFill>
+          <a:ln w="9525" cap="sq">
+            <a:noFill/>
+            <a:miter lim="800000"/>
+          </a:ln>
+          <a:effectLst/>
+        </p:spPr>
+        <p:txBody>
+          <a:bodyPr anchor="t"/>
           <a:lstStyle>
-            <a:lvl1pPr marL="0" indent="0">
+            <a:lvl1pPr marL="0" indent="0" algn="ctr">
               <a:buNone/>
               <a:defRPr sz="3200"/>
             </a:lvl1pPr>
@@ -2572,19 +2713,17 @@
             </a:lvl9pPr>
           </a:lstStyle>
           <a:p>
-            <a:endParaRPr lang="fi-FI"/>
-          </a:p>
-        </p:txBody>
-      </p:sp>
-      <p:sp>
-        <p:nvSpPr>
-          <p:cNvPr id="4" name="Tekstin paikkamerkki 3">
-            <a:extLst>
-              <a:ext uri="{FF2B5EF4-FFF2-40B4-BE49-F238E27FC236}">
-                <a16:creationId xmlns:a16="http://schemas.microsoft.com/office/drawing/2014/main" id="{A70C4216-F03D-4F08-AE64-E536B6CB0070}"/>
-              </a:ext>
-            </a:extLst>
-          </p:cNvPr>
+            <a:r>
+              <a:rPr lang="fi-FI"/>
+              <a:t>Lisää kuva napsauttamalla kuvaketta</a:t>
+            </a:r>
+            <a:endParaRPr lang="en-US" dirty="0"/>
+          </a:p>
+        </p:txBody>
+      </p:sp>
+      <p:sp>
+        <p:nvSpPr>
+          <p:cNvPr id="4" name="Text Placeholder 3"/>
           <p:cNvSpPr>
             <a:spLocks noGrp="1"/>
           </p:cNvSpPr>
@@ -2594,16 +2733,18 @@
         </p:nvSpPr>
         <p:spPr>
           <a:xfrm>
-            <a:off x="839788" y="2057400"/>
-            <a:ext cx="3932237" cy="3811588"/>
-          </a:xfrm>
-        </p:spPr>
-        <p:txBody>
-          <a:bodyPr/>
+            <a:off x="1450329" y="3145992"/>
+            <a:ext cx="5524404" cy="2003742"/>
+          </a:xfrm>
+        </p:spPr>
+        <p:txBody>
+          <a:bodyPr>
+            <a:normAutofit/>
+          </a:bodyPr>
           <a:lstStyle>
-            <a:lvl1pPr marL="0" indent="0">
-              <a:buNone/>
-              <a:defRPr sz="1600"/>
+            <a:lvl1pPr marL="0" indent="0" algn="l">
+              <a:buNone/>
+              <a:defRPr sz="1800"/>
             </a:lvl1pPr>
             <a:lvl2pPr marL="457200" indent="0">
               <a:buNone/>
@@ -2649,13 +2790,7 @@
       </p:sp>
       <p:sp>
         <p:nvSpPr>
-          <p:cNvPr id="5" name="Päivämäärän paikkamerkki 4">
-            <a:extLst>
-              <a:ext uri="{FF2B5EF4-FFF2-40B4-BE49-F238E27FC236}">
-                <a16:creationId xmlns:a16="http://schemas.microsoft.com/office/drawing/2014/main" id="{52908674-1886-4295-813D-3D4896F95B54}"/>
-              </a:ext>
-            </a:extLst>
-          </p:cNvPr>
+          <p:cNvPr id="5" name="Date Placeholder 4"/>
           <p:cNvSpPr>
             <a:spLocks noGrp="1"/>
           </p:cNvSpPr>
@@ -2663,14 +2798,23 @@
             <p:ph type="dt" sz="half" idx="10"/>
           </p:nvPr>
         </p:nvSpPr>
-        <p:spPr/>
-        <p:txBody>
-          <a:bodyPr/>
-          <a:lstStyle/>
+        <p:spPr>
+          <a:xfrm>
+            <a:off x="1447382" y="5469856"/>
+            <a:ext cx="5527351" cy="320123"/>
+          </a:xfrm>
+        </p:spPr>
+        <p:txBody>
+          <a:bodyPr/>
+          <a:lstStyle>
+            <a:lvl1pPr algn="l">
+              <a:defRPr/>
+            </a:lvl1pPr>
+          </a:lstStyle>
           <a:p>
             <a:fld id="{298E5DBA-D414-4DD7-9ED3-606EE3C5B87C}" type="datetimeFigureOut">
               <a:rPr lang="fi-FI" smtClean="0"/>
-              <a:t>28.2.2020</a:t>
+              <a:t>3.3.2020</a:t>
             </a:fld>
             <a:endParaRPr lang="fi-FI"/>
           </a:p>
@@ -2678,13 +2822,7 @@
       </p:sp>
       <p:sp>
         <p:nvSpPr>
-          <p:cNvPr id="6" name="Alatunnisteen paikkamerkki 5">
-            <a:extLst>
-              <a:ext uri="{FF2B5EF4-FFF2-40B4-BE49-F238E27FC236}">
-                <a16:creationId xmlns:a16="http://schemas.microsoft.com/office/drawing/2014/main" id="{4F7A68A3-3467-442D-B7E4-5E32206D6955}"/>
-              </a:ext>
-            </a:extLst>
-          </p:cNvPr>
+          <p:cNvPr id="6" name="Footer Placeholder 5"/>
           <p:cNvSpPr>
             <a:spLocks noGrp="1"/>
           </p:cNvSpPr>
@@ -2692,7 +2830,12 @@
             <p:ph type="ftr" sz="quarter" idx="11"/>
           </p:nvPr>
         </p:nvSpPr>
-        <p:spPr/>
+        <p:spPr>
+          <a:xfrm>
+            <a:off x="1447382" y="318640"/>
+            <a:ext cx="5541004" cy="320931"/>
+          </a:xfrm>
+        </p:spPr>
         <p:txBody>
           <a:bodyPr/>
           <a:lstStyle/>
@@ -2703,13 +2846,7 @@
       </p:sp>
       <p:sp>
         <p:nvSpPr>
-          <p:cNvPr id="7" name="Dian numeron paikkamerkki 6">
-            <a:extLst>
-              <a:ext uri="{FF2B5EF4-FFF2-40B4-BE49-F238E27FC236}">
-                <a16:creationId xmlns:a16="http://schemas.microsoft.com/office/drawing/2014/main" id="{B85E0BB4-9621-4FD6-90B5-FDAE978A6BD7}"/>
-              </a:ext>
-            </a:extLst>
-          </p:cNvPr>
+          <p:cNvPr id="7" name="Slide Number Placeholder 6"/>
           <p:cNvSpPr>
             <a:spLocks noGrp="1"/>
           </p:cNvSpPr>
@@ -2730,10 +2867,41 @@
           </a:p>
         </p:txBody>
       </p:sp>
+      <p:cxnSp>
+        <p:nvCxnSpPr>
+          <p:cNvPr id="31" name="Straight Connector 30"/>
+          <p:cNvCxnSpPr/>
+          <p:nvPr/>
+        </p:nvCxnSpPr>
+        <p:spPr>
+          <a:xfrm>
+            <a:off x="1447382" y="3143605"/>
+            <a:ext cx="5527351" cy="0"/>
+          </a:xfrm>
+          <a:prstGeom prst="line">
+            <a:avLst/>
+          </a:prstGeom>
+          <a:ln w="31750"/>
+        </p:spPr>
+        <p:style>
+          <a:lnRef idx="3">
+            <a:schemeClr val="accent1"/>
+          </a:lnRef>
+          <a:fillRef idx="0">
+            <a:schemeClr val="accent1"/>
+          </a:fillRef>
+          <a:effectRef idx="2">
+            <a:schemeClr val="accent1"/>
+          </a:effectRef>
+          <a:fontRef idx="minor">
+            <a:schemeClr val="tx1"/>
+          </a:fontRef>
+        </p:style>
+      </p:cxnSp>
     </p:spTree>
     <p:extLst>
       <p:ext uri="{BB962C8B-B14F-4D97-AF65-F5344CB8AC3E}">
-        <p14:creationId xmlns:p14="http://schemas.microsoft.com/office/powerpoint/2010/main" val="1938271005"/>
+        <p14:creationId xmlns:p14="http://schemas.microsoft.com/office/powerpoint/2010/main" val="588684495"/>
       </p:ext>
     </p:extLst>
   </p:cSld>
@@ -2747,8 +2915,8 @@
 <p:sldMaster xmlns:a="http://schemas.openxmlformats.org/drawingml/2006/main" xmlns:r="http://schemas.openxmlformats.org/officeDocument/2006/relationships" xmlns:p="http://schemas.openxmlformats.org/presentationml/2006/main">
   <p:cSld>
     <p:bg>
-      <p:bgRef idx="1001">
-        <a:schemeClr val="bg1"/>
+      <p:bgRef idx="1003">
+        <a:schemeClr val="bg2"/>
       </p:bgRef>
     </p:bg>
     <p:spTree>
@@ -2767,67 +2935,134 @@
       </p:grpSpPr>
       <p:sp>
         <p:nvSpPr>
-          <p:cNvPr id="2" name="Otsikon paikkamerkki 1">
-            <a:extLst>
-              <a:ext uri="{FF2B5EF4-FFF2-40B4-BE49-F238E27FC236}">
-                <a16:creationId xmlns:a16="http://schemas.microsoft.com/office/drawing/2014/main" id="{9858762F-004D-4FF4-808E-A615EA634919}"/>
-              </a:ext>
-            </a:extLst>
-          </p:cNvPr>
-          <p:cNvSpPr>
-            <a:spLocks noGrp="1"/>
-          </p:cNvSpPr>
-          <p:nvPr>
-            <p:ph type="title"/>
-          </p:nvPr>
-        </p:nvSpPr>
-        <p:spPr>
-          <a:xfrm>
-            <a:off x="838200" y="365125"/>
-            <a:ext cx="10515600" cy="1325563"/>
+          <p:cNvPr id="8" name="Rectangle 7"/>
+          <p:cNvSpPr/>
+          <p:nvPr/>
+        </p:nvSpPr>
+        <p:spPr>
+          <a:xfrm>
+            <a:off x="0" y="2019476"/>
+            <a:ext cx="12192000" cy="4105941"/>
           </a:xfrm>
           <a:prstGeom prst="rect">
             <a:avLst/>
           </a:prstGeom>
-        </p:spPr>
-        <p:txBody>
-          <a:bodyPr vert="horz" lIns="91440" tIns="45720" rIns="91440" bIns="45720" rtlCol="0" anchor="ctr">
-            <a:normAutofit/>
-          </a:bodyPr>
-          <a:lstStyle/>
-          <a:p>
-            <a:r>
-              <a:rPr lang="fi-FI"/>
-              <a:t>Muokkaa ots. perustyyl. napsautt.</a:t>
-            </a:r>
-          </a:p>
-        </p:txBody>
-      </p:sp>
-      <p:sp>
-        <p:nvSpPr>
-          <p:cNvPr id="3" name="Tekstin paikkamerkki 2">
+          <a:gradFill flip="none" rotWithShape="1">
+            <a:gsLst>
+              <a:gs pos="0">
+                <a:schemeClr val="bg2">
+                  <a:alpha val="0"/>
+                </a:schemeClr>
+              </a:gs>
+              <a:gs pos="100000">
+                <a:schemeClr val="bg2"/>
+              </a:gs>
+            </a:gsLst>
+            <a:lin ang="5400000" scaled="0"/>
+            <a:tileRect/>
+          </a:gradFill>
+          <a:ln>
+            <a:noFill/>
+          </a:ln>
+        </p:spPr>
+        <p:style>
+          <a:lnRef idx="2">
+            <a:schemeClr val="accent1">
+              <a:shade val="50000"/>
+            </a:schemeClr>
+          </a:lnRef>
+          <a:fillRef idx="1">
+            <a:schemeClr val="accent1"/>
+          </a:fillRef>
+          <a:effectRef idx="0">
+            <a:schemeClr val="accent1"/>
+          </a:effectRef>
+          <a:fontRef idx="minor">
+            <a:schemeClr val="lt1"/>
+          </a:fontRef>
+        </p:style>
+      </p:sp>
+      <p:pic>
+        <p:nvPicPr>
+          <p:cNvPr id="7" name="Picture 6"/>
+          <p:cNvPicPr>
+            <a:picLocks noChangeAspect="1"/>
+          </p:cNvPicPr>
+          <p:nvPr/>
+        </p:nvPicPr>
+        <p:blipFill rotWithShape="1">
+          <a:blip r:embed="rId13">
             <a:extLst>
-              <a:ext uri="{FF2B5EF4-FFF2-40B4-BE49-F238E27FC236}">
-                <a16:creationId xmlns:a16="http://schemas.microsoft.com/office/drawing/2014/main" id="{A74ED386-35C7-4CB1-B0F7-EC577EA8ACE7}"/>
+              <a:ext uri="{28A0092B-C50C-407E-A947-70E740481C1C}">
+                <a14:useLocalDpi xmlns:a14="http://schemas.microsoft.com/office/drawing/2010/main" val="0"/>
               </a:ext>
             </a:extLst>
-          </p:cNvPr>
-          <p:cNvSpPr>
-            <a:spLocks noGrp="1"/>
-          </p:cNvSpPr>
-          <p:nvPr>
-            <p:ph type="body" idx="1"/>
-          </p:nvPr>
-        </p:nvSpPr>
-        <p:spPr>
-          <a:xfrm>
-            <a:off x="838200" y="1825625"/>
-            <a:ext cx="10515600" cy="4351338"/>
+          </a:blip>
+          <a:srcRect t="1538" b="-1538"/>
+          <a:stretch/>
+        </p:blipFill>
+        <p:spPr bwMode="black">
+          <a:xfrm>
+            <a:off x="0" y="6126480"/>
+            <a:ext cx="12192000" cy="742950"/>
           </a:xfrm>
           <a:prstGeom prst="rect">
             <a:avLst/>
           </a:prstGeom>
         </p:spPr>
+      </p:pic>
+      <p:sp>
+        <p:nvSpPr>
+          <p:cNvPr id="2" name="Title Placeholder 1"/>
+          <p:cNvSpPr>
+            <a:spLocks noGrp="1"/>
+          </p:cNvSpPr>
+          <p:nvPr>
+            <p:ph type="title"/>
+          </p:nvPr>
+        </p:nvSpPr>
+        <p:spPr>
+          <a:xfrm>
+            <a:off x="1451579" y="804519"/>
+            <a:ext cx="9603275" cy="1049235"/>
+          </a:xfrm>
+          <a:prstGeom prst="rect">
+            <a:avLst/>
+          </a:prstGeom>
+        </p:spPr>
+        <p:txBody>
+          <a:bodyPr vert="horz" lIns="91440" tIns="45720" rIns="91440" bIns="45720" rtlCol="0" anchor="t">
+            <a:normAutofit/>
+          </a:bodyPr>
+          <a:lstStyle/>
+          <a:p>
+            <a:r>
+              <a:rPr lang="fi-FI"/>
+              <a:t>Muokkaa ots. perustyyl. napsautt.</a:t>
+            </a:r>
+            <a:endParaRPr lang="en-US" dirty="0"/>
+          </a:p>
+        </p:txBody>
+      </p:sp>
+      <p:sp>
+        <p:nvSpPr>
+          <p:cNvPr id="3" name="Text Placeholder 2"/>
+          <p:cNvSpPr>
+            <a:spLocks noGrp="1"/>
+          </p:cNvSpPr>
+          <p:nvPr>
+            <p:ph type="body" idx="1"/>
+          </p:nvPr>
+        </p:nvSpPr>
+        <p:spPr>
+          <a:xfrm>
+            <a:off x="1451579" y="2015732"/>
+            <a:ext cx="9603275" cy="3450613"/>
+          </a:xfrm>
+          <a:prstGeom prst="rect">
+            <a:avLst/>
+          </a:prstGeom>
+        </p:spPr>
         <p:txBody>
           <a:bodyPr vert="horz" lIns="91440" tIns="45720" rIns="91440" bIns="45720" rtlCol="0">
             <a:normAutofit/>
@@ -2836,49 +3071,43 @@
           <a:p>
             <a:pPr lvl="0"/>
             <a:r>
-              <a:rPr lang="fi-FI"/>
-              <a:t>Muokkaa tekstin perustyylejä</a:t>
+              <a:rPr lang="en-US" dirty="0"/>
+              <a:t>Edit Master text styles</a:t>
             </a:r>
           </a:p>
           <a:p>
             <a:pPr lvl="1"/>
             <a:r>
-              <a:rPr lang="fi-FI"/>
-              <a:t>toinen taso</a:t>
+              <a:rPr lang="en-US" dirty="0"/>
+              <a:t>Second level</a:t>
             </a:r>
           </a:p>
           <a:p>
             <a:pPr lvl="2"/>
             <a:r>
-              <a:rPr lang="fi-FI"/>
-              <a:t>kolmas taso</a:t>
+              <a:rPr lang="en-US" dirty="0"/>
+              <a:t>Third level</a:t>
             </a:r>
           </a:p>
           <a:p>
             <a:pPr lvl="3"/>
             <a:r>
-              <a:rPr lang="fi-FI"/>
-              <a:t>neljäs taso</a:t>
+              <a:rPr lang="en-US" dirty="0"/>
+              <a:t>Fourth level</a:t>
             </a:r>
           </a:p>
           <a:p>
             <a:pPr lvl="4"/>
             <a:r>
-              <a:rPr lang="fi-FI"/>
-              <a:t>viides taso</a:t>
-            </a:r>
-          </a:p>
-        </p:txBody>
-      </p:sp>
-      <p:sp>
-        <p:nvSpPr>
-          <p:cNvPr id="4" name="Päivämäärän paikkamerkki 3">
-            <a:extLst>
-              <a:ext uri="{FF2B5EF4-FFF2-40B4-BE49-F238E27FC236}">
-                <a16:creationId xmlns:a16="http://schemas.microsoft.com/office/drawing/2014/main" id="{AE2FE233-0F2E-4B9B-AFBD-A3B07D43FB89}"/>
-              </a:ext>
-            </a:extLst>
-          </p:cNvPr>
+              <a:rPr lang="en-US" dirty="0"/>
+              <a:t>Fifth level</a:t>
+            </a:r>
+          </a:p>
+        </p:txBody>
+      </p:sp>
+      <p:sp>
+        <p:nvSpPr>
+          <p:cNvPr id="4" name="Date Placeholder 3"/>
           <p:cNvSpPr>
             <a:spLocks noGrp="1"/>
           </p:cNvSpPr>
@@ -2888,8 +3117,8 @@
         </p:nvSpPr>
         <p:spPr>
           <a:xfrm>
-            <a:off x="838200" y="6356350"/>
-            <a:ext cx="2743200" cy="365125"/>
+            <a:off x="7554138" y="330370"/>
+            <a:ext cx="3500715" cy="309201"/>
           </a:xfrm>
           <a:prstGeom prst="rect">
             <a:avLst/>
@@ -2898,8 +3127,8 @@
         <p:txBody>
           <a:bodyPr vert="horz" lIns="91440" tIns="45720" rIns="91440" bIns="45720" rtlCol="0" anchor="ctr"/>
           <a:lstStyle>
-            <a:lvl1pPr algn="l">
-              <a:defRPr sz="1200">
+            <a:lvl1pPr algn="r">
+              <a:defRPr sz="1000">
                 <a:solidFill>
                   <a:schemeClr val="tx1">
                     <a:tint val="75000"/>
@@ -2911,7 +3140,7 @@
           <a:p>
             <a:fld id="{298E5DBA-D414-4DD7-9ED3-606EE3C5B87C}" type="datetimeFigureOut">
               <a:rPr lang="fi-FI" smtClean="0"/>
-              <a:t>28.2.2020</a:t>
+              <a:t>3.3.2020</a:t>
             </a:fld>
             <a:endParaRPr lang="fi-FI"/>
           </a:p>
@@ -2919,13 +3148,7 @@
       </p:sp>
       <p:sp>
         <p:nvSpPr>
-          <p:cNvPr id="5" name="Alatunnisteen paikkamerkki 4">
-            <a:extLst>
-              <a:ext uri="{FF2B5EF4-FFF2-40B4-BE49-F238E27FC236}">
-                <a16:creationId xmlns:a16="http://schemas.microsoft.com/office/drawing/2014/main" id="{365C73DD-92C9-45B3-AE65-5169A889DCD5}"/>
-              </a:ext>
-            </a:extLst>
-          </p:cNvPr>
+          <p:cNvPr id="5" name="Footer Placeholder 4"/>
           <p:cNvSpPr>
             <a:spLocks noGrp="1"/>
           </p:cNvSpPr>
@@ -2935,8 +3158,8 @@
         </p:nvSpPr>
         <p:spPr>
           <a:xfrm>
-            <a:off x="4038600" y="6356350"/>
-            <a:ext cx="4114800" cy="365125"/>
+            <a:off x="1451579" y="329307"/>
+            <a:ext cx="5938836" cy="309201"/>
           </a:xfrm>
           <a:prstGeom prst="rect">
             <a:avLst/>
@@ -2945,8 +3168,8 @@
         <p:txBody>
           <a:bodyPr vert="horz" lIns="91440" tIns="45720" rIns="91440" bIns="45720" rtlCol="0" anchor="ctr"/>
           <a:lstStyle>
-            <a:lvl1pPr algn="ctr">
-              <a:defRPr sz="1200">
+            <a:lvl1pPr algn="l">
+              <a:defRPr sz="1000">
                 <a:solidFill>
                   <a:schemeClr val="tx1">
                     <a:tint val="75000"/>
@@ -2962,13 +3185,7 @@
       </p:sp>
       <p:sp>
         <p:nvSpPr>
-          <p:cNvPr id="6" name="Dian numeron paikkamerkki 5">
-            <a:extLst>
-              <a:ext uri="{FF2B5EF4-FFF2-40B4-BE49-F238E27FC236}">
-                <a16:creationId xmlns:a16="http://schemas.microsoft.com/office/drawing/2014/main" id="{2A148C01-FDFC-447C-AFC0-D450A4AB5DCD}"/>
-              </a:ext>
-            </a:extLst>
-          </p:cNvPr>
+          <p:cNvPr id="6" name="Slide Number Placeholder 5"/>
           <p:cNvSpPr>
             <a:spLocks noGrp="1"/>
           </p:cNvSpPr>
@@ -2978,22 +3195,20 @@
         </p:nvSpPr>
         <p:spPr>
           <a:xfrm>
-            <a:off x="8610600" y="6356350"/>
-            <a:ext cx="2743200" cy="365125"/>
+            <a:off x="480060" y="798973"/>
+            <a:ext cx="811019" cy="503578"/>
           </a:xfrm>
           <a:prstGeom prst="rect">
             <a:avLst/>
           </a:prstGeom>
         </p:spPr>
         <p:txBody>
-          <a:bodyPr vert="horz" lIns="91440" tIns="45720" rIns="91440" bIns="45720" rtlCol="0" anchor="ctr"/>
+          <a:bodyPr vert="horz" lIns="91440" tIns="45720" rIns="91440" bIns="45720" rtlCol="0" anchor="t"/>
           <a:lstStyle>
             <a:lvl1pPr algn="r">
-              <a:defRPr sz="1200">
+              <a:defRPr sz="2800">
                 <a:solidFill>
-                  <a:schemeClr val="tx1">
-                    <a:tint val="75000"/>
-                  </a:schemeClr>
+                  <a:schemeClr val="accent1"/>
                 </a:solidFill>
               </a:defRPr>
             </a:lvl1pPr>
@@ -3007,26 +3222,63 @@
           </a:p>
         </p:txBody>
       </p:sp>
+      <p:cxnSp>
+        <p:nvCxnSpPr>
+          <p:cNvPr id="10" name="Straight Connector 9"/>
+          <p:cNvCxnSpPr/>
+          <p:nvPr/>
+        </p:nvCxnSpPr>
+        <p:spPr>
+          <a:xfrm>
+            <a:off x="0" y="6128413"/>
+            <a:ext cx="12192000" cy="0"/>
+          </a:xfrm>
+          <a:prstGeom prst="line">
+            <a:avLst/>
+          </a:prstGeom>
+          <a:ln w="12700">
+            <a:solidFill>
+              <a:srgbClr val="000001">
+                <a:alpha val="20000"/>
+              </a:srgbClr>
+            </a:solidFill>
+          </a:ln>
+        </p:spPr>
+        <p:style>
+          <a:lnRef idx="1">
+            <a:schemeClr val="accent1"/>
+          </a:lnRef>
+          <a:fillRef idx="0">
+            <a:schemeClr val="accent1"/>
+          </a:fillRef>
+          <a:effectRef idx="0">
+            <a:schemeClr val="accent1"/>
+          </a:effectRef>
+          <a:fontRef idx="minor">
+            <a:schemeClr val="tx1"/>
+          </a:fontRef>
+        </p:style>
+      </p:cxnSp>
     </p:spTree>
     <p:extLst>
       <p:ext uri="{BB962C8B-B14F-4D97-AF65-F5344CB8AC3E}">
-        <p14:creationId xmlns:p14="http://schemas.microsoft.com/office/powerpoint/2010/main" val="3358395922"/>
+        <p14:creationId xmlns:p14="http://schemas.microsoft.com/office/powerpoint/2010/main" val="4180601851"/>
       </p:ext>
     </p:extLst>
   </p:cSld>
   <p:clrMap bg1="lt1" tx1="dk1" bg2="lt2" tx2="dk2" accent1="accent1" accent2="accent2" accent3="accent3" accent4="accent4" accent5="accent5" accent6="accent6" hlink="hlink" folHlink="folHlink"/>
   <p:sldLayoutIdLst>
-    <p:sldLayoutId id="2147483649" r:id="rId1"/>
-    <p:sldLayoutId id="2147483650" r:id="rId2"/>
-    <p:sldLayoutId id="2147483651" r:id="rId3"/>
-    <p:sldLayoutId id="2147483652" r:id="rId4"/>
-    <p:sldLayoutId id="2147483653" r:id="rId5"/>
-    <p:sldLayoutId id="2147483654" r:id="rId6"/>
-    <p:sldLayoutId id="2147483655" r:id="rId7"/>
-    <p:sldLayoutId id="2147483656" r:id="rId8"/>
-    <p:sldLayoutId id="2147483657" r:id="rId9"/>
-    <p:sldLayoutId id="2147483658" r:id="rId10"/>
-    <p:sldLayoutId id="2147483659" r:id="rId11"/>
+    <p:sldLayoutId id="2147483715" r:id="rId1"/>
+    <p:sldLayoutId id="2147483716" r:id="rId2"/>
+    <p:sldLayoutId id="2147483717" r:id="rId3"/>
+    <p:sldLayoutId id="2147483718" r:id="rId4"/>
+    <p:sldLayoutId id="2147483719" r:id="rId5"/>
+    <p:sldLayoutId id="2147483720" r:id="rId6"/>
+    <p:sldLayoutId id="2147483721" r:id="rId7"/>
+    <p:sldLayoutId id="2147483722" r:id="rId8"/>
+    <p:sldLayoutId id="2147483723" r:id="rId9"/>
+    <p:sldLayoutId id="2147483724" r:id="rId10"/>
+    <p:sldLayoutId id="2147483725" r:id="rId11"/>
   </p:sldLayoutIdLst>
   <p:txStyles>
     <p:titleStyle>
@@ -3038,10 +3290,11 @@
           <a:spcPct val="0"/>
         </a:spcBef>
         <a:buNone/>
-        <a:defRPr sz="4400" kern="1200">
+        <a:defRPr sz="3200" b="0" i="0" kern="1200" cap="all">
           <a:solidFill>
             <a:schemeClr val="tx1"/>
           </a:solidFill>
+          <a:effectLst/>
           <a:latin typeface="+mj-lt"/>
           <a:ea typeface="+mj-ea"/>
           <a:cs typeface="+mj-cs"/>
@@ -3051,17 +3304,22 @@
     <p:bodyStyle>
       <a:lvl1pPr marL="228600" indent="-228600" algn="l" defTabSz="914400" rtl="0" eaLnBrk="1" latinLnBrk="0" hangingPunct="1">
         <a:lnSpc>
-          <a:spcPct val="90000"/>
+          <a:spcPct val="120000"/>
         </a:lnSpc>
         <a:spcBef>
           <a:spcPts val="1000"/>
         </a:spcBef>
+        <a:buClr>
+          <a:schemeClr val="accent1"/>
+        </a:buClr>
+        <a:buSzPct val="100000"/>
         <a:buFont typeface="Arial" panose="020B0604020202020204" pitchFamily="34" charset="0"/>
         <a:buChar char="•"/>
-        <a:defRPr sz="2800" kern="1200">
+        <a:defRPr sz="2000" kern="1200">
           <a:solidFill>
             <a:schemeClr val="tx1"/>
           </a:solidFill>
+          <a:effectLst/>
           <a:latin typeface="+mn-lt"/>
           <a:ea typeface="+mn-ea"/>
           <a:cs typeface="+mn-cs"/>
@@ -3069,17 +3327,22 @@
       </a:lvl1pPr>
       <a:lvl2pPr marL="685800" indent="-228600" algn="l" defTabSz="914400" rtl="0" eaLnBrk="1" latinLnBrk="0" hangingPunct="1">
         <a:lnSpc>
-          <a:spcPct val="90000"/>
+          <a:spcPct val="120000"/>
         </a:lnSpc>
         <a:spcBef>
           <a:spcPts val="500"/>
         </a:spcBef>
+        <a:buClr>
+          <a:schemeClr val="accent1"/>
+        </a:buClr>
+        <a:buSzPct val="100000"/>
         <a:buFont typeface="Arial" panose="020B0604020202020204" pitchFamily="34" charset="0"/>
         <a:buChar char="•"/>
-        <a:defRPr sz="2400" kern="1200">
+        <a:defRPr sz="1800" kern="1200" cap="none" baseline="0">
           <a:solidFill>
             <a:schemeClr val="tx1"/>
           </a:solidFill>
+          <a:effectLst/>
           <a:latin typeface="+mn-lt"/>
           <a:ea typeface="+mn-ea"/>
           <a:cs typeface="+mn-cs"/>
@@ -3087,17 +3350,22 @@
       </a:lvl2pPr>
       <a:lvl3pPr marL="1143000" indent="-228600" algn="l" defTabSz="914400" rtl="0" eaLnBrk="1" latinLnBrk="0" hangingPunct="1">
         <a:lnSpc>
-          <a:spcPct val="90000"/>
+          <a:spcPct val="120000"/>
         </a:lnSpc>
         <a:spcBef>
           <a:spcPts val="500"/>
         </a:spcBef>
+        <a:buClr>
+          <a:schemeClr val="accent1"/>
+        </a:buClr>
+        <a:buSzPct val="100000"/>
         <a:buFont typeface="Arial" panose="020B0604020202020204" pitchFamily="34" charset="0"/>
         <a:buChar char="•"/>
-        <a:defRPr sz="2000" kern="1200">
+        <a:defRPr sz="1600" kern="1200">
           <a:solidFill>
             <a:schemeClr val="tx1"/>
           </a:solidFill>
+          <a:effectLst/>
           <a:latin typeface="+mn-lt"/>
           <a:ea typeface="+mn-ea"/>
           <a:cs typeface="+mn-cs"/>
@@ -3105,17 +3373,22 @@
       </a:lvl3pPr>
       <a:lvl4pPr marL="1600200" indent="-228600" algn="l" defTabSz="914400" rtl="0" eaLnBrk="1" latinLnBrk="0" hangingPunct="1">
         <a:lnSpc>
-          <a:spcPct val="90000"/>
+          <a:spcPct val="120000"/>
         </a:lnSpc>
         <a:spcBef>
           <a:spcPts val="500"/>
         </a:spcBef>
+        <a:buClr>
+          <a:schemeClr val="accent1"/>
+        </a:buClr>
+        <a:buSzPct val="100000"/>
         <a:buFont typeface="Arial" panose="020B0604020202020204" pitchFamily="34" charset="0"/>
         <a:buChar char="•"/>
-        <a:defRPr sz="1800" kern="1200">
+        <a:defRPr sz="1400" kern="1200" cap="none" baseline="0">
           <a:solidFill>
             <a:schemeClr val="tx1"/>
           </a:solidFill>
+          <a:effectLst/>
           <a:latin typeface="+mn-lt"/>
           <a:ea typeface="+mn-ea"/>
           <a:cs typeface="+mn-cs"/>
@@ -3123,17 +3396,22 @@
       </a:lvl4pPr>
       <a:lvl5pPr marL="2057400" indent="-228600" algn="l" defTabSz="914400" rtl="0" eaLnBrk="1" latinLnBrk="0" hangingPunct="1">
         <a:lnSpc>
-          <a:spcPct val="90000"/>
+          <a:spcPct val="120000"/>
         </a:lnSpc>
         <a:spcBef>
           <a:spcPts val="500"/>
         </a:spcBef>
+        <a:buClr>
+          <a:schemeClr val="accent1"/>
+        </a:buClr>
+        <a:buSzPct val="100000"/>
         <a:buFont typeface="Arial" panose="020B0604020202020204" pitchFamily="34" charset="0"/>
         <a:buChar char="•"/>
-        <a:defRPr sz="1800" kern="1200">
+        <a:defRPr sz="1200" kern="1200">
           <a:solidFill>
             <a:schemeClr val="tx1"/>
           </a:solidFill>
+          <a:effectLst/>
           <a:latin typeface="+mn-lt"/>
           <a:ea typeface="+mn-ea"/>
           <a:cs typeface="+mn-cs"/>
@@ -3141,17 +3419,22 @@
       </a:lvl5pPr>
       <a:lvl6pPr marL="2514600" indent="-228600" algn="l" defTabSz="914400" rtl="0" eaLnBrk="1" latinLnBrk="0" hangingPunct="1">
         <a:lnSpc>
-          <a:spcPct val="90000"/>
+          <a:spcPct val="120000"/>
         </a:lnSpc>
         <a:spcBef>
           <a:spcPts val="500"/>
         </a:spcBef>
+        <a:buClr>
+          <a:schemeClr val="accent1"/>
+        </a:buClr>
+        <a:buSzPct val="100000"/>
         <a:buFont typeface="Arial" panose="020B0604020202020204" pitchFamily="34" charset="0"/>
         <a:buChar char="•"/>
-        <a:defRPr sz="1800" kern="1200">
+        <a:defRPr sz="1200" kern="1200">
           <a:solidFill>
             <a:schemeClr val="tx1"/>
           </a:solidFill>
+          <a:effectLst/>
           <a:latin typeface="+mn-lt"/>
           <a:ea typeface="+mn-ea"/>
           <a:cs typeface="+mn-cs"/>
@@ -3159,17 +3442,22 @@
       </a:lvl6pPr>
       <a:lvl7pPr marL="2971800" indent="-228600" algn="l" defTabSz="914400" rtl="0" eaLnBrk="1" latinLnBrk="0" hangingPunct="1">
         <a:lnSpc>
-          <a:spcPct val="90000"/>
+          <a:spcPct val="120000"/>
         </a:lnSpc>
         <a:spcBef>
           <a:spcPts val="500"/>
         </a:spcBef>
+        <a:buClr>
+          <a:schemeClr val="accent1"/>
+        </a:buClr>
+        <a:buSzPct val="100000"/>
         <a:buFont typeface="Arial" panose="020B0604020202020204" pitchFamily="34" charset="0"/>
         <a:buChar char="•"/>
-        <a:defRPr sz="1800" kern="1200">
+        <a:defRPr sz="1200" kern="1200">
           <a:solidFill>
             <a:schemeClr val="tx1"/>
           </a:solidFill>
+          <a:effectLst/>
           <a:latin typeface="+mn-lt"/>
           <a:ea typeface="+mn-ea"/>
           <a:cs typeface="+mn-cs"/>
@@ -3177,17 +3465,22 @@
       </a:lvl7pPr>
       <a:lvl8pPr marL="3429000" indent="-228600" algn="l" defTabSz="914400" rtl="0" eaLnBrk="1" latinLnBrk="0" hangingPunct="1">
         <a:lnSpc>
-          <a:spcPct val="90000"/>
+          <a:spcPct val="120000"/>
         </a:lnSpc>
         <a:spcBef>
           <a:spcPts val="500"/>
         </a:spcBef>
+        <a:buClr>
+          <a:schemeClr val="accent1"/>
+        </a:buClr>
+        <a:buSzPct val="100000"/>
         <a:buFont typeface="Arial" panose="020B0604020202020204" pitchFamily="34" charset="0"/>
         <a:buChar char="•"/>
-        <a:defRPr sz="1800" kern="1200">
+        <a:defRPr sz="1200" kern="1200" baseline="0">
           <a:solidFill>
             <a:schemeClr val="tx1"/>
           </a:solidFill>
+          <a:effectLst/>
           <a:latin typeface="+mn-lt"/>
           <a:ea typeface="+mn-ea"/>
           <a:cs typeface="+mn-cs"/>
@@ -3195,17 +3488,22 @@
       </a:lvl8pPr>
       <a:lvl9pPr marL="3886200" indent="-228600" algn="l" defTabSz="914400" rtl="0" eaLnBrk="1" latinLnBrk="0" hangingPunct="1">
         <a:lnSpc>
-          <a:spcPct val="90000"/>
+          <a:spcPct val="120000"/>
         </a:lnSpc>
         <a:spcBef>
           <a:spcPts val="500"/>
         </a:spcBef>
+        <a:buClr>
+          <a:schemeClr val="accent1"/>
+        </a:buClr>
+        <a:buSzPct val="100000"/>
         <a:buFont typeface="Arial" panose="020B0604020202020204" pitchFamily="34" charset="0"/>
         <a:buChar char="•"/>
-        <a:defRPr sz="1800" kern="1200">
+        <a:defRPr sz="1200" kern="1200" baseline="0">
           <a:solidFill>
             <a:schemeClr val="tx1"/>
           </a:solidFill>
+          <a:effectLst/>
           <a:latin typeface="+mn-lt"/>
           <a:ea typeface="+mn-ea"/>
           <a:cs typeface="+mn-cs"/>
@@ -3214,7 +3512,7 @@
     </p:bodyStyle>
     <p:otherStyle>
       <a:defPPr>
-        <a:defRPr lang="fi-FI"/>
+        <a:defRPr lang="en-US"/>
       </a:defPPr>
       <a:lvl1pPr marL="0" algn="l" defTabSz="914400" rtl="0" eaLnBrk="1" latinLnBrk="0" hangingPunct="1">
         <a:defRPr sz="1800" kern="1200">
@@ -3489,7 +3787,7 @@
         <p:spPr>
           <a:xfrm>
             <a:off x="939800" y="1518741"/>
-            <a:ext cx="6869112" cy="2585323"/>
+            <a:ext cx="6869112" cy="1754326"/>
           </a:xfrm>
           <a:prstGeom prst="rect">
             <a:avLst/>
@@ -3503,72 +3801,266 @@
           <a:lstStyle/>
           <a:p>
             <a:r>
+              <a:rPr lang="fi-FI" sz="1200" dirty="0"/>
+              <a:t>Tässä kuvakaappauksessa </a:t>
+            </a:r>
+            <a:r>
+              <a:rPr lang="fi-FI" sz="1200" dirty="0" err="1"/>
+              <a:t>pygame</a:t>
+            </a:r>
+            <a:r>
+              <a:rPr lang="fi-FI" sz="1200" dirty="0"/>
+              <a:t> moduulilla soitetaan tausta musiikki</a:t>
+            </a:r>
+          </a:p>
+          <a:p>
+            <a:endParaRPr lang="fi-FI" sz="1200" dirty="0"/>
+          </a:p>
+          <a:p>
+            <a:r>
+              <a:rPr lang="fi-FI" sz="1200" dirty="0"/>
+              <a:t>1.Rivi moduulin tuominen tiedostoon</a:t>
+            </a:r>
+          </a:p>
+          <a:p>
+            <a:endParaRPr lang="fi-FI" sz="1200" dirty="0"/>
+          </a:p>
+          <a:p>
+            <a:r>
+              <a:rPr lang="fi-FI" sz="1200" dirty="0"/>
+              <a:t>2.Rivi </a:t>
+            </a:r>
+            <a:r>
+              <a:rPr lang="fi-FI" sz="1200" dirty="0" err="1"/>
+              <a:t>mixerin</a:t>
+            </a:r>
+            <a:r>
+              <a:rPr lang="fi-FI" sz="1200" dirty="0"/>
+              <a:t> ”käynnistäminen”</a:t>
+            </a:r>
+          </a:p>
+          <a:p>
+            <a:endParaRPr lang="fi-FI" sz="1200" dirty="0"/>
+          </a:p>
+          <a:p>
+            <a:r>
+              <a:rPr lang="fi-FI" sz="1200" dirty="0"/>
+              <a:t>3.Rivi musiikki tiedoston avaaminen ohjelmaan</a:t>
+            </a:r>
+          </a:p>
+          <a:p>
+            <a:endParaRPr lang="fi-FI" sz="1200" dirty="0"/>
+          </a:p>
+          <a:p>
+            <a:r>
+              <a:rPr lang="fi-FI" sz="1200" dirty="0"/>
+              <a:t>4.Rivi musiikin soittaminen </a:t>
+            </a:r>
+            <a:r>
+              <a:rPr lang="fi-FI" sz="1200" dirty="0" err="1"/>
+              <a:t>loopilla</a:t>
+            </a:r>
+            <a:r>
+              <a:rPr lang="fi-FI" sz="1200" dirty="0"/>
+              <a:t> </a:t>
+            </a:r>
+          </a:p>
+        </p:txBody>
+      </p:sp>
+      <p:pic>
+        <p:nvPicPr>
+          <p:cNvPr id="3" name="Kuva 2">
+            <a:extLst>
+              <a:ext uri="{FF2B5EF4-FFF2-40B4-BE49-F238E27FC236}">
+                <a16:creationId xmlns:a16="http://schemas.microsoft.com/office/drawing/2014/main" id="{A9C34744-3BCC-4C2D-8FC5-44CDB107B28A}"/>
+              </a:ext>
+            </a:extLst>
+          </p:cNvPr>
+          <p:cNvPicPr>
+            <a:picLocks noChangeAspect="1"/>
+          </p:cNvPicPr>
+          <p:nvPr/>
+        </p:nvPicPr>
+        <p:blipFill>
+          <a:blip r:embed="rId3"/>
+          <a:stretch>
+            <a:fillRect/>
+          </a:stretch>
+        </p:blipFill>
+        <p:spPr>
+          <a:xfrm>
+            <a:off x="5551487" y="4014222"/>
+            <a:ext cx="6172200" cy="352425"/>
+          </a:xfrm>
+          <a:prstGeom prst="rect">
+            <a:avLst/>
+          </a:prstGeom>
+        </p:spPr>
+      </p:pic>
+      <p:pic>
+        <p:nvPicPr>
+          <p:cNvPr id="6" name="Kuva 5">
+            <a:extLst>
+              <a:ext uri="{FF2B5EF4-FFF2-40B4-BE49-F238E27FC236}">
+                <a16:creationId xmlns:a16="http://schemas.microsoft.com/office/drawing/2014/main" id="{CB8F9404-D0FA-4192-9717-6C191357076F}"/>
+              </a:ext>
+            </a:extLst>
+          </p:cNvPr>
+          <p:cNvPicPr>
+            <a:picLocks noChangeAspect="1"/>
+          </p:cNvPicPr>
+          <p:nvPr/>
+        </p:nvPicPr>
+        <p:blipFill>
+          <a:blip r:embed="rId4"/>
+          <a:stretch>
+            <a:fillRect/>
+          </a:stretch>
+        </p:blipFill>
+        <p:spPr>
+          <a:xfrm>
+            <a:off x="8523287" y="3467869"/>
+            <a:ext cx="3200400" cy="428625"/>
+          </a:xfrm>
+          <a:prstGeom prst="rect">
+            <a:avLst/>
+          </a:prstGeom>
+        </p:spPr>
+      </p:pic>
+      <p:sp>
+        <p:nvSpPr>
+          <p:cNvPr id="7" name="Tekstiruutu 6">
+            <a:extLst>
+              <a:ext uri="{FF2B5EF4-FFF2-40B4-BE49-F238E27FC236}">
+                <a16:creationId xmlns:a16="http://schemas.microsoft.com/office/drawing/2014/main" id="{C403F05F-7431-4DC1-A550-CB7AA8F8B80D}"/>
+              </a:ext>
+            </a:extLst>
+          </p:cNvPr>
+          <p:cNvSpPr txBox="1"/>
+          <p:nvPr/>
+        </p:nvSpPr>
+        <p:spPr>
+          <a:xfrm>
+            <a:off x="939800" y="3514987"/>
+            <a:ext cx="4261374" cy="1292662"/>
+          </a:xfrm>
+          <a:prstGeom prst="rect">
+            <a:avLst/>
+          </a:prstGeom>
+          <a:noFill/>
+        </p:spPr>
+        <p:txBody>
+          <a:bodyPr wrap="square" rtlCol="0">
+            <a:spAutoFit/>
+          </a:bodyPr>
+          <a:lstStyle/>
+          <a:p>
+            <a:r>
               <a:rPr lang="fi-FI" dirty="0"/>
-              <a:t>Tässä kuvakaappauksessa </a:t>
-            </a:r>
-            <a:r>
-              <a:rPr lang="fi-FI" dirty="0" err="1"/>
-              <a:t>pygame</a:t>
-            </a:r>
-            <a:r>
-              <a:rPr lang="fi-FI" dirty="0"/>
-              <a:t> moduulilla soitetaan tausta musiikki</a:t>
+              <a:t>Näissä kahdessa kuvakaappauksessa on:</a:t>
+            </a:r>
+          </a:p>
+          <a:p>
+            <a:r>
+              <a:rPr lang="fi-FI" sz="1400" dirty="0"/>
+              <a:t>Napin ja tekstielementin luominen, tyylittely ja asettelu ruutuun. Tekstielementti näyttää tässä tapauksessa kuvan ”kuvalista” nimisestä listasta.</a:t>
             </a:r>
           </a:p>
           <a:p>
             <a:endParaRPr lang="fi-FI" dirty="0"/>
           </a:p>
-          <a:p>
-            <a:r>
-              <a:rPr lang="fi-FI" dirty="0"/>
-              <a:t>1.Rivi moduulin tuominen tiedostoon</a:t>
-            </a:r>
-          </a:p>
-          <a:p>
-            <a:endParaRPr lang="fi-FI" dirty="0"/>
-          </a:p>
-          <a:p>
-            <a:r>
-              <a:rPr lang="fi-FI" dirty="0"/>
-              <a:t>2.Rivi </a:t>
-            </a:r>
-            <a:r>
-              <a:rPr lang="fi-FI" dirty="0" err="1"/>
-              <a:t>mixerin</a:t>
-            </a:r>
-            <a:r>
-              <a:rPr lang="fi-FI" dirty="0"/>
-              <a:t> ”käynnistäminen”</a:t>
-            </a:r>
-          </a:p>
-          <a:p>
-            <a:endParaRPr lang="fi-FI" dirty="0"/>
-          </a:p>
-          <a:p>
-            <a:r>
-              <a:rPr lang="fi-FI" dirty="0"/>
-              <a:t>3.Rivi musiikki tiedoston avaaminen ohjelmaan</a:t>
-            </a:r>
-          </a:p>
-          <a:p>
-            <a:endParaRPr lang="fi-FI" dirty="0"/>
-          </a:p>
-          <a:p>
-            <a:r>
-              <a:rPr lang="fi-FI" dirty="0"/>
-              <a:t>4.Rivi musiikin soittaminen </a:t>
-            </a:r>
-            <a:r>
-              <a:rPr lang="fi-FI" dirty="0" err="1"/>
-              <a:t>loopilla</a:t>
-            </a:r>
-            <a:r>
-              <a:rPr lang="fi-FI" dirty="0"/>
-              <a:t> </a:t>
-            </a:r>
-          </a:p>
-        </p:txBody>
-      </p:sp>
+        </p:txBody>
+      </p:sp>
+      <p:pic>
+        <p:nvPicPr>
+          <p:cNvPr id="8" name="Kuva 7">
+            <a:extLst>
+              <a:ext uri="{FF2B5EF4-FFF2-40B4-BE49-F238E27FC236}">
+                <a16:creationId xmlns:a16="http://schemas.microsoft.com/office/drawing/2014/main" id="{9325AFF4-3D1B-4125-A7CD-3B15CB7D128D}"/>
+              </a:ext>
+            </a:extLst>
+          </p:cNvPr>
+          <p:cNvPicPr>
+            <a:picLocks noChangeAspect="1"/>
+          </p:cNvPicPr>
+          <p:nvPr/>
+        </p:nvPicPr>
+        <p:blipFill>
+          <a:blip r:embed="rId5"/>
+          <a:stretch>
+            <a:fillRect/>
+          </a:stretch>
+        </p:blipFill>
+        <p:spPr>
+          <a:xfrm>
+            <a:off x="1056409" y="4535055"/>
+            <a:ext cx="2689629" cy="2068945"/>
+          </a:xfrm>
+          <a:prstGeom prst="rect">
+            <a:avLst/>
+          </a:prstGeom>
+        </p:spPr>
+      </p:pic>
+      <p:pic>
+        <p:nvPicPr>
+          <p:cNvPr id="9" name="Kuva 8">
+            <a:extLst>
+              <a:ext uri="{FF2B5EF4-FFF2-40B4-BE49-F238E27FC236}">
+                <a16:creationId xmlns:a16="http://schemas.microsoft.com/office/drawing/2014/main" id="{6DB12236-B00B-467E-9B29-CFF45D35E9D1}"/>
+              </a:ext>
+            </a:extLst>
+          </p:cNvPr>
+          <p:cNvPicPr>
+            <a:picLocks noChangeAspect="1"/>
+          </p:cNvPicPr>
+          <p:nvPr/>
+        </p:nvPicPr>
+        <p:blipFill>
+          <a:blip r:embed="rId6"/>
+          <a:stretch>
+            <a:fillRect/>
+          </a:stretch>
+        </p:blipFill>
+        <p:spPr>
+          <a:xfrm>
+            <a:off x="8443505" y="4535055"/>
+            <a:ext cx="3280182" cy="1754326"/>
+          </a:xfrm>
+          <a:prstGeom prst="rect">
+            <a:avLst/>
+          </a:prstGeom>
+        </p:spPr>
+      </p:pic>
+      <p:pic>
+        <p:nvPicPr>
+          <p:cNvPr id="10" name="Kuva 9">
+            <a:extLst>
+              <a:ext uri="{FF2B5EF4-FFF2-40B4-BE49-F238E27FC236}">
+                <a16:creationId xmlns:a16="http://schemas.microsoft.com/office/drawing/2014/main" id="{E5416D9C-6771-4EDB-AF45-B466DB2F7964}"/>
+              </a:ext>
+            </a:extLst>
+          </p:cNvPr>
+          <p:cNvPicPr>
+            <a:picLocks noChangeAspect="1"/>
+          </p:cNvPicPr>
+          <p:nvPr/>
+        </p:nvPicPr>
+        <p:blipFill>
+          <a:blip r:embed="rId7"/>
+          <a:stretch>
+            <a:fillRect/>
+          </a:stretch>
+        </p:blipFill>
+        <p:spPr>
+          <a:xfrm>
+            <a:off x="4747734" y="4535405"/>
+            <a:ext cx="2696532" cy="2068945"/>
+          </a:xfrm>
+          <a:prstGeom prst="rect">
+            <a:avLst/>
+          </a:prstGeom>
+        </p:spPr>
+      </p:pic>
     </p:spTree>
     <p:extLst>
       <p:ext uri="{BB962C8B-B14F-4D97-AF65-F5344CB8AC3E}">
@@ -3661,7 +4153,13 @@
           <a:p>
             <a:r>
               <a:rPr lang="fi-FI" dirty="0"/>
-              <a:t>Tarinan fantasia teemainen ja kuvat muokattu oikeaan </a:t>
+              <a:t>Tarina on fantasia teemainen jossa on valintoja</a:t>
+            </a:r>
+          </a:p>
+          <a:p>
+            <a:r>
+              <a:rPr lang="fi-FI" dirty="0"/>
+              <a:t> kuvat muokattu oikeaan </a:t>
             </a:r>
             <a:r>
               <a:rPr lang="fi-FI" dirty="0" err="1"/>
@@ -3690,6 +4188,36 @@
           </a:p>
         </p:txBody>
       </p:sp>
+      <p:pic>
+        <p:nvPicPr>
+          <p:cNvPr id="5" name="Kuva 4">
+            <a:extLst>
+              <a:ext uri="{FF2B5EF4-FFF2-40B4-BE49-F238E27FC236}">
+                <a16:creationId xmlns:a16="http://schemas.microsoft.com/office/drawing/2014/main" id="{7F3536CE-A1CF-4927-BF17-A918167B79CC}"/>
+              </a:ext>
+            </a:extLst>
+          </p:cNvPr>
+          <p:cNvPicPr>
+            <a:picLocks noChangeAspect="1"/>
+          </p:cNvPicPr>
+          <p:nvPr/>
+        </p:nvPicPr>
+        <p:blipFill>
+          <a:blip r:embed="rId2"/>
+          <a:stretch>
+            <a:fillRect/>
+          </a:stretch>
+        </p:blipFill>
+        <p:spPr>
+          <a:xfrm>
+            <a:off x="254806" y="3574473"/>
+            <a:ext cx="8629650" cy="3164254"/>
+          </a:xfrm>
+          <a:prstGeom prst="rect">
+            <a:avLst/>
+          </a:prstGeom>
+        </p:spPr>
+      </p:pic>
     </p:spTree>
     <p:extLst>
       <p:ext uri="{BB962C8B-B14F-4D97-AF65-F5344CB8AC3E}">
@@ -3704,9 +4232,9 @@
 </file>
 
 <file path=ppt/theme/theme1.xml><?xml version="1.0" encoding="utf-8"?>
-<a:theme xmlns:a="http://schemas.openxmlformats.org/drawingml/2006/main" name="Office-teema">
+<a:theme xmlns:a="http://schemas.openxmlformats.org/drawingml/2006/main" name="Galleria">
   <a:themeElements>
-    <a:clrScheme name="Office">
+    <a:clrScheme name="Galleria">
       <a:dk1>
         <a:sysClr val="windowText" lastClr="000000"/>
       </a:dk1>
@@ -3714,39 +4242,39 @@
         <a:sysClr val="window" lastClr="FFFFFF"/>
       </a:lt1>
       <a:dk2>
-        <a:srgbClr val="44546A"/>
+        <a:srgbClr val="454545"/>
       </a:dk2>
       <a:lt2>
-        <a:srgbClr val="E7E6E6"/>
+        <a:srgbClr val="DFDBD5"/>
       </a:lt2>
       <a:accent1>
-        <a:srgbClr val="4472C4"/>
+        <a:srgbClr val="B71E42"/>
       </a:accent1>
       <a:accent2>
-        <a:srgbClr val="ED7D31"/>
+        <a:srgbClr val="DE478E"/>
       </a:accent2>
       <a:accent3>
-        <a:srgbClr val="A5A5A5"/>
+        <a:srgbClr val="BC72F0"/>
       </a:accent3>
       <a:accent4>
-        <a:srgbClr val="FFC000"/>
+        <a:srgbClr val="795FAF"/>
       </a:accent4>
       <a:accent5>
-        <a:srgbClr val="5B9BD5"/>
+        <a:srgbClr val="586EA6"/>
       </a:accent5>
       <a:accent6>
-        <a:srgbClr val="70AD47"/>
+        <a:srgbClr val="6892A0"/>
       </a:accent6>
       <a:hlink>
-        <a:srgbClr val="0563C1"/>
+        <a:srgbClr val="FA2B5C"/>
       </a:hlink>
       <a:folHlink>
-        <a:srgbClr val="954F72"/>
+        <a:srgbClr val="BC658E"/>
       </a:folHlink>
     </a:clrScheme>
-    <a:fontScheme name="Office">
+    <a:fontScheme name="Galleria">
       <a:majorFont>
-        <a:latin typeface="Calibri Light" panose="020F0302020204030204"/>
+        <a:latin typeface="Gill Sans MT" panose="020B0502020104020203"/>
         <a:ea typeface=""/>
         <a:cs typeface=""/>
         <a:font script="Jpan" typeface="游ゴシック Light"/>
@@ -3779,26 +4307,9 @@
         <a:font script="Viet" typeface="Times New Roman"/>
         <a:font script="Uigh" typeface="Microsoft Uighur"/>
         <a:font script="Geor" typeface="Sylfaen"/>
-        <a:font script="Armn" typeface="Arial"/>
-        <a:font script="Bugi" typeface="Leelawadee UI"/>
-        <a:font script="Bopo" typeface="Microsoft JhengHei"/>
-        <a:font script="Java" typeface="Javanese Text"/>
-        <a:font script="Lisu" typeface="Segoe UI"/>
-        <a:font script="Mymr" typeface="Myanmar Text"/>
-        <a:font script="Nkoo" typeface="Ebrima"/>
-        <a:font script="Olck" typeface="Nirmala UI"/>
-        <a:font script="Osma" typeface="Ebrima"/>
-        <a:font script="Phag" typeface="Phagspa"/>
-        <a:font script="Syrn" typeface="Estrangelo Edessa"/>
-        <a:font script="Syrj" typeface="Estrangelo Edessa"/>
-        <a:font script="Syre" typeface="Estrangelo Edessa"/>
-        <a:font script="Sora" typeface="Nirmala UI"/>
-        <a:font script="Tale" typeface="Microsoft Tai Le"/>
-        <a:font script="Talu" typeface="Microsoft New Tai Lue"/>
-        <a:font script="Tfng" typeface="Ebrima"/>
       </a:majorFont>
       <a:minorFont>
-        <a:latin typeface="Calibri" panose="020F0502020204030204"/>
+        <a:latin typeface="Gill Sans MT" panose="020B0502020104020203"/>
         <a:ea typeface=""/>
         <a:cs typeface=""/>
         <a:font script="Jpan" typeface="游ゴシック"/>
@@ -3831,26 +4342,9 @@
         <a:font script="Viet" typeface="Arial"/>
         <a:font script="Uigh" typeface="Microsoft Uighur"/>
         <a:font script="Geor" typeface="Sylfaen"/>
-        <a:font script="Armn" typeface="Arial"/>
-        <a:font script="Bugi" typeface="Leelawadee UI"/>
-        <a:font script="Bopo" typeface="Microsoft JhengHei"/>
-        <a:font script="Java" typeface="Javanese Text"/>
-        <a:font script="Lisu" typeface="Segoe UI"/>
-        <a:font script="Mymr" typeface="Myanmar Text"/>
-        <a:font script="Nkoo" typeface="Ebrima"/>
-        <a:font script="Olck" typeface="Nirmala UI"/>
-        <a:font script="Osma" typeface="Ebrima"/>
-        <a:font script="Phag" typeface="Phagspa"/>
-        <a:font script="Syrn" typeface="Estrangelo Edessa"/>
-        <a:font script="Syrj" typeface="Estrangelo Edessa"/>
-        <a:font script="Syre" typeface="Estrangelo Edessa"/>
-        <a:font script="Sora" typeface="Nirmala UI"/>
-        <a:font script="Tale" typeface="Microsoft Tai Le"/>
-        <a:font script="Talu" typeface="Microsoft New Tai Lue"/>
-        <a:font script="Tfng" typeface="Ebrima"/>
       </a:minorFont>
     </a:fontScheme>
-    <a:fmtScheme name="Office">
+    <a:fmtScheme name="Galleria">
       <a:fillStyleLst>
         <a:solidFill>
           <a:schemeClr val="phClr"/>
@@ -3859,23 +4353,18 @@
           <a:gsLst>
             <a:gs pos="0">
               <a:schemeClr val="phClr">
+                <a:tint val="54000"/>
+                <a:alpha val="100000"/>
+                <a:satMod val="105000"/>
                 <a:lumMod val="110000"/>
-                <a:satMod val="105000"/>
-                <a:tint val="67000"/>
-              </a:schemeClr>
-            </a:gs>
-            <a:gs pos="50000">
-              <a:schemeClr val="phClr">
-                <a:lumMod val="105000"/>
-                <a:satMod val="103000"/>
-                <a:tint val="73000"/>
               </a:schemeClr>
             </a:gs>
             <a:gs pos="100000">
               <a:schemeClr val="phClr">
-                <a:lumMod val="105000"/>
+                <a:tint val="78000"/>
+                <a:alpha val="92000"/>
                 <a:satMod val="109000"/>
-                <a:tint val="81000"/>
+                <a:lumMod val="100000"/>
               </a:schemeClr>
             </a:gs>
           </a:gsLst>
@@ -3885,23 +4374,23 @@
           <a:gsLst>
             <a:gs pos="0">
               <a:schemeClr val="phClr">
-                <a:satMod val="103000"/>
-                <a:lumMod val="102000"/>
-                <a:tint val="94000"/>
+                <a:tint val="98000"/>
+                <a:satMod val="110000"/>
+                <a:lumMod val="104000"/>
               </a:schemeClr>
             </a:gs>
-            <a:gs pos="50000">
+            <a:gs pos="69000">
               <a:schemeClr val="phClr">
-                <a:satMod val="110000"/>
-                <a:lumMod val="100000"/>
-                <a:shade val="100000"/>
+                <a:shade val="88000"/>
+                <a:satMod val="130000"/>
+                <a:lumMod val="92000"/>
               </a:schemeClr>
             </a:gs>
             <a:gs pos="100000">
               <a:schemeClr val="phClr">
-                <a:lumMod val="99000"/>
-                <a:satMod val="120000"/>
                 <a:shade val="78000"/>
+                <a:satMod val="130000"/>
+                <a:lumMod val="92000"/>
               </a:schemeClr>
             </a:gs>
           </a:gsLst>
@@ -3909,26 +4398,23 @@
         </a:gradFill>
       </a:fillStyleLst>
       <a:lnStyleLst>
-        <a:ln w="6350" cap="flat" cmpd="sng" algn="ctr">
+        <a:ln w="9525" cap="flat" cmpd="sng" algn="ctr">
           <a:solidFill>
             <a:schemeClr val="phClr"/>
           </a:solidFill>
           <a:prstDash val="solid"/>
-          <a:miter lim="800000"/>
         </a:ln>
-        <a:ln w="12700" cap="flat" cmpd="sng" algn="ctr">
+        <a:ln w="15875" cap="flat" cmpd="sng" algn="ctr">
           <a:solidFill>
             <a:schemeClr val="phClr"/>
           </a:solidFill>
           <a:prstDash val="solid"/>
-          <a:miter lim="800000"/>
         </a:ln>
-        <a:ln w="19050" cap="flat" cmpd="sng" algn="ctr">
+        <a:ln w="22225" cap="flat" cmpd="sng" algn="ctr">
           <a:solidFill>
             <a:schemeClr val="phClr"/>
           </a:solidFill>
           <a:prstDash val="solid"/>
-          <a:miter lim="800000"/>
         </a:ln>
       </a:lnStyleLst>
       <a:effectStyleLst>
@@ -3940,12 +4426,23 @@
         </a:effectStyle>
         <a:effectStyle>
           <a:effectLst>
-            <a:outerShdw blurRad="57150" dist="19050" dir="5400000" algn="ctr" rotWithShape="0">
+            <a:outerShdw blurRad="50800" dist="50800" dir="5400000" sx="96000" sy="96000" rotWithShape="0">
               <a:srgbClr val="000000">
-                <a:alpha val="63000"/>
+                <a:alpha val="48000"/>
               </a:srgbClr>
             </a:outerShdw>
           </a:effectLst>
+          <a:scene3d>
+            <a:camera prst="orthographicFront">
+              <a:rot lat="0" lon="0" rev="0"/>
+            </a:camera>
+            <a:lightRig rig="balanced" dir="t">
+              <a:rot lat="0" lon="0" rev="1080000"/>
+            </a:lightRig>
+          </a:scene3d>
+          <a:sp3d>
+            <a:bevelT w="38100" h="12700" prst="softRound"/>
+          </a:sp3d>
         </a:effectStyle>
       </a:effectStyleLst>
       <a:bgFillStyleLst>
@@ -3953,37 +4450,26 @@
           <a:schemeClr val="phClr"/>
         </a:solidFill>
         <a:solidFill>
-          <a:schemeClr val="phClr">
-            <a:tint val="95000"/>
-            <a:satMod val="170000"/>
-          </a:schemeClr>
+          <a:schemeClr val="phClr"/>
         </a:solidFill>
         <a:gradFill rotWithShape="1">
           <a:gsLst>
             <a:gs pos="0">
               <a:schemeClr val="phClr">
-                <a:tint val="93000"/>
-                <a:satMod val="150000"/>
-                <a:shade val="98000"/>
-                <a:lumMod val="102000"/>
-              </a:schemeClr>
-            </a:gs>
-            <a:gs pos="50000">
-              <a:schemeClr val="phClr">
-                <a:tint val="98000"/>
-                <a:satMod val="130000"/>
-                <a:shade val="90000"/>
-                <a:lumMod val="103000"/>
+                <a:tint val="94000"/>
+                <a:satMod val="80000"/>
+                <a:lumMod val="106000"/>
               </a:schemeClr>
             </a:gs>
             <a:gs pos="100000">
               <a:schemeClr val="phClr">
-                <a:shade val="63000"/>
-                <a:satMod val="120000"/>
+                <a:shade val="80000"/>
               </a:schemeClr>
             </a:gs>
           </a:gsLst>
-          <a:lin ang="5400000" scaled="0"/>
+          <a:path path="circle">
+            <a:fillToRect l="43000" r="43000" b="100000"/>
+          </a:path>
         </a:gradFill>
       </a:bgFillStyleLst>
     </a:fmtScheme>
@@ -3992,7 +4478,7 @@
   <a:extraClrSchemeLst/>
   <a:extLst>
     <a:ext uri="{05A4C25C-085E-4340-85A3-A5531E510DB2}">
-      <thm15:themeFamily xmlns:thm15="http://schemas.microsoft.com/office/thememl/2012/main" name="Office Theme" id="{62F939B6-93AF-4DB8-9C6B-D6C7DFDC589F}" vid="{4A3C46E8-61CC-4603-A589-7422A47A8E4A}"/>
+      <thm15:themeFamily xmlns:thm15="http://schemas.microsoft.com/office/thememl/2012/main" name="Gallery" id="{BBFCD31E-59A1-489D-B089-A3EAD7CAE12E}" vid="{F5E91637-A7B6-4E27-B710-77DA7014EE1E}"/>
     </a:ext>
   </a:extLst>
 </a:theme>

--- a/Seikkailupeli.pptx
+++ b/Seikkailupeli.pptx
@@ -4179,7 +4179,7 @@
             </a:r>
             <a:r>
               <a:rPr lang="fi-FI" dirty="0" err="1"/>
-              <a:t>photoshoppia</a:t>
+              <a:t>gimpiä</a:t>
             </a:r>
             <a:r>
               <a:rPr lang="fi-FI" dirty="0"/>
@@ -4190,10 +4190,10 @@
       </p:sp>
       <p:pic>
         <p:nvPicPr>
-          <p:cNvPr id="5" name="Kuva 4">
+          <p:cNvPr id="4" name="Kuva 3">
             <a:extLst>
               <a:ext uri="{FF2B5EF4-FFF2-40B4-BE49-F238E27FC236}">
-                <a16:creationId xmlns:a16="http://schemas.microsoft.com/office/drawing/2014/main" id="{7F3536CE-A1CF-4927-BF17-A918167B79CC}"/>
+                <a16:creationId xmlns:a16="http://schemas.microsoft.com/office/drawing/2014/main" id="{352881EA-78EE-40C4-8257-70D298D1E799}"/>
               </a:ext>
             </a:extLst>
           </p:cNvPr>
@@ -4210,8 +4210,38 @@
         </p:blipFill>
         <p:spPr>
           <a:xfrm>
-            <a:off x="254806" y="3574473"/>
-            <a:ext cx="8629650" cy="3164254"/>
+            <a:off x="8531925" y="1853754"/>
+            <a:ext cx="2829890" cy="4274191"/>
+          </a:xfrm>
+          <a:prstGeom prst="rect">
+            <a:avLst/>
+          </a:prstGeom>
+        </p:spPr>
+      </p:pic>
+      <p:pic>
+        <p:nvPicPr>
+          <p:cNvPr id="7" name="Kuva 6">
+            <a:extLst>
+              <a:ext uri="{FF2B5EF4-FFF2-40B4-BE49-F238E27FC236}">
+                <a16:creationId xmlns:a16="http://schemas.microsoft.com/office/drawing/2014/main" id="{063E6DC3-05F5-4171-8672-2574D5CF060B}"/>
+              </a:ext>
+            </a:extLst>
+          </p:cNvPr>
+          <p:cNvPicPr>
+            <a:picLocks noChangeAspect="1"/>
+          </p:cNvPicPr>
+          <p:nvPr/>
+        </p:nvPicPr>
+        <p:blipFill>
+          <a:blip r:embed="rId3"/>
+          <a:stretch>
+            <a:fillRect/>
+          </a:stretch>
+        </p:blipFill>
+        <p:spPr>
+          <a:xfrm>
+            <a:off x="1451579" y="4600487"/>
+            <a:ext cx="6133369" cy="625854"/>
           </a:xfrm>
           <a:prstGeom prst="rect">
             <a:avLst/>

--- a/Seikkailupeli.pptx
+++ b/Seikkailupeli.pptx
@@ -6,8 +6,9 @@
   </p:sldMasterIdLst>
   <p:sldIdLst>
     <p:sldId id="256" r:id="rId2"/>
-    <p:sldId id="257" r:id="rId3"/>
+    <p:sldId id="259" r:id="rId3"/>
     <p:sldId id="258" r:id="rId4"/>
+    <p:sldId id="257" r:id="rId5"/>
   </p:sldIdLst>
   <p:sldSz cx="12192000" cy="6858000"/>
   <p:notesSz cx="6858000" cy="9144000"/>
@@ -3712,40 +3713,12 @@
           <a:chExt cx="0" cy="0"/>
         </a:xfrm>
       </p:grpSpPr>
-      <p:sp>
-        <p:nvSpPr>
-          <p:cNvPr id="2" name="Otsikko 1">
-            <a:extLst>
-              <a:ext uri="{FF2B5EF4-FFF2-40B4-BE49-F238E27FC236}">
-                <a16:creationId xmlns:a16="http://schemas.microsoft.com/office/drawing/2014/main" id="{2EF7E75C-B0B2-4892-9BEE-833703744D20}"/>
-              </a:ext>
-            </a:extLst>
-          </p:cNvPr>
-          <p:cNvSpPr>
-            <a:spLocks noGrp="1"/>
-          </p:cNvSpPr>
-          <p:nvPr>
-            <p:ph type="title"/>
-          </p:nvPr>
-        </p:nvSpPr>
-        <p:spPr/>
-        <p:txBody>
-          <a:bodyPr/>
-          <a:lstStyle/>
-          <a:p>
-            <a:r>
-              <a:rPr lang="fi-FI" dirty="0"/>
-              <a:t>Leimu</a:t>
-            </a:r>
-          </a:p>
-        </p:txBody>
-      </p:sp>
       <p:pic>
         <p:nvPicPr>
           <p:cNvPr id="4" name="Sisällön paikkamerkki 3">
             <a:extLst>
               <a:ext uri="{FF2B5EF4-FFF2-40B4-BE49-F238E27FC236}">
-                <a16:creationId xmlns:a16="http://schemas.microsoft.com/office/drawing/2014/main" id="{130D9198-3E1E-4966-85F3-D49C99B5E9BF}"/>
+                <a16:creationId xmlns:a16="http://schemas.microsoft.com/office/drawing/2014/main" id="{0840ADBC-A179-43B9-B61B-E8775AE79BA1}"/>
               </a:ext>
             </a:extLst>
           </p:cNvPr>
@@ -3753,7 +3726,7 @@
             <a:picLocks noGrp="1" noChangeAspect="1"/>
           </p:cNvPicPr>
           <p:nvPr>
-            <p:ph idx="1"/>
+            <p:ph idx="4294967295"/>
           </p:nvPr>
         </p:nvPicPr>
         <p:blipFill>
@@ -3764,115 +3737,20 @@
         </p:blipFill>
         <p:spPr>
           <a:xfrm>
-            <a:off x="8189912" y="2454791"/>
-            <a:ext cx="3533775" cy="895350"/>
+            <a:off x="427838" y="411866"/>
+            <a:ext cx="5025006" cy="3865253"/>
           </a:xfrm>
           <a:prstGeom prst="rect">
             <a:avLst/>
           </a:prstGeom>
         </p:spPr>
       </p:pic>
-      <p:sp>
-        <p:nvSpPr>
-          <p:cNvPr id="5" name="Tekstiruutu 4">
+      <p:pic>
+        <p:nvPicPr>
+          <p:cNvPr id="5" name="Kuva 4">
             <a:extLst>
               <a:ext uri="{FF2B5EF4-FFF2-40B4-BE49-F238E27FC236}">
-                <a16:creationId xmlns:a16="http://schemas.microsoft.com/office/drawing/2014/main" id="{11847A26-EEB9-48B2-8760-2B47E070B1C7}"/>
-              </a:ext>
-            </a:extLst>
-          </p:cNvPr>
-          <p:cNvSpPr txBox="1"/>
-          <p:nvPr/>
-        </p:nvSpPr>
-        <p:spPr>
-          <a:xfrm>
-            <a:off x="939800" y="1518741"/>
-            <a:ext cx="6869112" cy="1754326"/>
-          </a:xfrm>
-          <a:prstGeom prst="rect">
-            <a:avLst/>
-          </a:prstGeom>
-          <a:noFill/>
-        </p:spPr>
-        <p:txBody>
-          <a:bodyPr wrap="square" rtlCol="0">
-            <a:spAutoFit/>
-          </a:bodyPr>
-          <a:lstStyle/>
-          <a:p>
-            <a:r>
-              <a:rPr lang="fi-FI" sz="1200" dirty="0"/>
-              <a:t>Tässä kuvakaappauksessa </a:t>
-            </a:r>
-            <a:r>
-              <a:rPr lang="fi-FI" sz="1200" dirty="0" err="1"/>
-              <a:t>pygame</a:t>
-            </a:r>
-            <a:r>
-              <a:rPr lang="fi-FI" sz="1200" dirty="0"/>
-              <a:t> moduulilla soitetaan tausta musiikki</a:t>
-            </a:r>
-          </a:p>
-          <a:p>
-            <a:endParaRPr lang="fi-FI" sz="1200" dirty="0"/>
-          </a:p>
-          <a:p>
-            <a:r>
-              <a:rPr lang="fi-FI" sz="1200" dirty="0"/>
-              <a:t>1.Rivi moduulin tuominen tiedostoon</a:t>
-            </a:r>
-          </a:p>
-          <a:p>
-            <a:endParaRPr lang="fi-FI" sz="1200" dirty="0"/>
-          </a:p>
-          <a:p>
-            <a:r>
-              <a:rPr lang="fi-FI" sz="1200" dirty="0"/>
-              <a:t>2.Rivi </a:t>
-            </a:r>
-            <a:r>
-              <a:rPr lang="fi-FI" sz="1200" dirty="0" err="1"/>
-              <a:t>mixerin</a:t>
-            </a:r>
-            <a:r>
-              <a:rPr lang="fi-FI" sz="1200" dirty="0"/>
-              <a:t> ”käynnistäminen”</a:t>
-            </a:r>
-          </a:p>
-          <a:p>
-            <a:endParaRPr lang="fi-FI" sz="1200" dirty="0"/>
-          </a:p>
-          <a:p>
-            <a:r>
-              <a:rPr lang="fi-FI" sz="1200" dirty="0"/>
-              <a:t>3.Rivi musiikki tiedoston avaaminen ohjelmaan</a:t>
-            </a:r>
-          </a:p>
-          <a:p>
-            <a:endParaRPr lang="fi-FI" sz="1200" dirty="0"/>
-          </a:p>
-          <a:p>
-            <a:r>
-              <a:rPr lang="fi-FI" sz="1200" dirty="0"/>
-              <a:t>4.Rivi musiikin soittaminen </a:t>
-            </a:r>
-            <a:r>
-              <a:rPr lang="fi-FI" sz="1200" dirty="0" err="1"/>
-              <a:t>loopilla</a:t>
-            </a:r>
-            <a:r>
-              <a:rPr lang="fi-FI" sz="1200" dirty="0"/>
-              <a:t> </a:t>
-            </a:r>
-          </a:p>
-        </p:txBody>
-      </p:sp>
-      <p:pic>
-        <p:nvPicPr>
-          <p:cNvPr id="3" name="Kuva 2">
-            <a:extLst>
-              <a:ext uri="{FF2B5EF4-FFF2-40B4-BE49-F238E27FC236}">
-                <a16:creationId xmlns:a16="http://schemas.microsoft.com/office/drawing/2014/main" id="{A9C34744-3BCC-4C2D-8FC5-44CDB107B28A}"/>
+                <a16:creationId xmlns:a16="http://schemas.microsoft.com/office/drawing/2014/main" id="{8419925B-E2A0-454B-8D76-6D3D3A52B4A2}"/>
               </a:ext>
             </a:extLst>
           </p:cNvPr>
@@ -3889,8 +3767,8 @@
         </p:blipFill>
         <p:spPr>
           <a:xfrm>
-            <a:off x="5551487" y="4014222"/>
-            <a:ext cx="6172200" cy="352425"/>
+            <a:off x="6582487" y="103930"/>
+            <a:ext cx="5248787" cy="4027192"/>
           </a:xfrm>
           <a:prstGeom prst="rect">
             <a:avLst/>
@@ -3902,7 +3780,7 @@
           <p:cNvPr id="6" name="Kuva 5">
             <a:extLst>
               <a:ext uri="{FF2B5EF4-FFF2-40B4-BE49-F238E27FC236}">
-                <a16:creationId xmlns:a16="http://schemas.microsoft.com/office/drawing/2014/main" id="{CB8F9404-D0FA-4192-9717-6C191357076F}"/>
+                <a16:creationId xmlns:a16="http://schemas.microsoft.com/office/drawing/2014/main" id="{EC11A515-9C10-4324-B109-CD0DFAE525D0}"/>
               </a:ext>
             </a:extLst>
           </p:cNvPr>
@@ -3919,8 +3797,8 @@
         </p:blipFill>
         <p:spPr>
           <a:xfrm>
-            <a:off x="8523287" y="3467869"/>
-            <a:ext cx="3200400" cy="428625"/>
+            <a:off x="3730230" y="4454254"/>
+            <a:ext cx="3280182" cy="1754326"/>
           </a:xfrm>
           <a:prstGeom prst="rect">
             <a:avLst/>
@@ -3929,10 +3807,56 @@
       </p:pic>
       <p:sp>
         <p:nvSpPr>
-          <p:cNvPr id="7" name="Tekstiruutu 6">
+          <p:cNvPr id="7" name="Nuoli: Ylös 6">
             <a:extLst>
               <a:ext uri="{FF2B5EF4-FFF2-40B4-BE49-F238E27FC236}">
-                <a16:creationId xmlns:a16="http://schemas.microsoft.com/office/drawing/2014/main" id="{C403F05F-7431-4DC1-A550-CB7AA8F8B80D}"/>
+                <a16:creationId xmlns:a16="http://schemas.microsoft.com/office/drawing/2014/main" id="{5F48F83F-3C34-4371-8782-D1E64954641D}"/>
+              </a:ext>
+            </a:extLst>
+          </p:cNvPr>
+          <p:cNvSpPr/>
+          <p:nvPr/>
+        </p:nvSpPr>
+        <p:spPr>
+          <a:xfrm rot="2484636">
+            <a:off x="1532766" y="4277118"/>
+            <a:ext cx="402671" cy="679508"/>
+          </a:xfrm>
+          <a:prstGeom prst="upArrow">
+            <a:avLst/>
+          </a:prstGeom>
+        </p:spPr>
+        <p:style>
+          <a:lnRef idx="2">
+            <a:schemeClr val="accent1">
+              <a:shade val="50000"/>
+            </a:schemeClr>
+          </a:lnRef>
+          <a:fillRef idx="1">
+            <a:schemeClr val="accent1"/>
+          </a:fillRef>
+          <a:effectRef idx="0">
+            <a:schemeClr val="accent1"/>
+          </a:effectRef>
+          <a:fontRef idx="minor">
+            <a:schemeClr val="lt1"/>
+          </a:fontRef>
+        </p:style>
+        <p:txBody>
+          <a:bodyPr rtlCol="0" anchor="ctr"/>
+          <a:lstStyle/>
+          <a:p>
+            <a:pPr algn="ctr"/>
+            <a:endParaRPr lang="fi-FI"/>
+          </a:p>
+        </p:txBody>
+      </p:sp>
+      <p:sp>
+        <p:nvSpPr>
+          <p:cNvPr id="8" name="Tekstiruutu 7">
+            <a:extLst>
+              <a:ext uri="{FF2B5EF4-FFF2-40B4-BE49-F238E27FC236}">
+                <a16:creationId xmlns:a16="http://schemas.microsoft.com/office/drawing/2014/main" id="{38C1604E-040D-4780-9F34-EEF1299A097F}"/>
               </a:ext>
             </a:extLst>
           </p:cNvPr>
@@ -3941,8 +3865,8 @@
         </p:nvSpPr>
         <p:spPr>
           <a:xfrm>
-            <a:off x="939800" y="3514987"/>
-            <a:ext cx="4261374" cy="1292662"/>
+            <a:off x="322976" y="5053090"/>
+            <a:ext cx="1786855" cy="923330"/>
           </a:xfrm>
           <a:prstGeom prst="rect">
             <a:avLst/>
@@ -3957,114 +3881,229 @@
           <a:p>
             <a:r>
               <a:rPr lang="fi-FI" dirty="0"/>
-              <a:t>Näissä kahdessa kuvakaappauksessa on:</a:t>
-            </a:r>
-          </a:p>
-          <a:p>
-            <a:r>
-              <a:rPr lang="fi-FI" sz="1400" dirty="0"/>
-              <a:t>Napin ja tekstielementin luominen, tyylittely ja asettelu ruutuun. Tekstielementti näyttää tässä tapauksessa kuvan ”kuvalista” nimisestä listasta.</a:t>
-            </a:r>
-          </a:p>
-          <a:p>
-            <a:endParaRPr lang="fi-FI" dirty="0"/>
-          </a:p>
-        </p:txBody>
-      </p:sp>
-      <p:pic>
-        <p:nvPicPr>
-          <p:cNvPr id="8" name="Kuva 7">
+              <a:t>”Seuraava” edistää tekstiä eteenpäin</a:t>
+            </a:r>
+          </a:p>
+        </p:txBody>
+      </p:sp>
+      <p:sp>
+        <p:nvSpPr>
+          <p:cNvPr id="9" name="Nuoli: Ylös 8">
             <a:extLst>
               <a:ext uri="{FF2B5EF4-FFF2-40B4-BE49-F238E27FC236}">
-                <a16:creationId xmlns:a16="http://schemas.microsoft.com/office/drawing/2014/main" id="{9325AFF4-3D1B-4125-A7CD-3B15CB7D128D}"/>
+                <a16:creationId xmlns:a16="http://schemas.microsoft.com/office/drawing/2014/main" id="{EA62CD93-30FD-42A5-BF56-F7772DDC537C}"/>
               </a:ext>
             </a:extLst>
           </p:cNvPr>
-          <p:cNvPicPr>
-            <a:picLocks noChangeAspect="1"/>
-          </p:cNvPicPr>
+          <p:cNvSpPr/>
           <p:nvPr/>
-        </p:nvPicPr>
-        <p:blipFill>
-          <a:blip r:embed="rId5"/>
-          <a:stretch>
-            <a:fillRect/>
-          </a:stretch>
-        </p:blipFill>
-        <p:spPr>
-          <a:xfrm>
-            <a:off x="1056409" y="4535055"/>
-            <a:ext cx="2689629" cy="2068945"/>
+        </p:nvSpPr>
+        <p:spPr>
+          <a:xfrm rot="20256835">
+            <a:off x="2506873" y="4328193"/>
+            <a:ext cx="402671" cy="679508"/>
+          </a:xfrm>
+          <a:prstGeom prst="upArrow">
+            <a:avLst/>
+          </a:prstGeom>
+        </p:spPr>
+        <p:style>
+          <a:lnRef idx="2">
+            <a:schemeClr val="accent1">
+              <a:shade val="50000"/>
+            </a:schemeClr>
+          </a:lnRef>
+          <a:fillRef idx="1">
+            <a:schemeClr val="accent1"/>
+          </a:fillRef>
+          <a:effectRef idx="0">
+            <a:schemeClr val="accent1"/>
+          </a:effectRef>
+          <a:fontRef idx="minor">
+            <a:schemeClr val="lt1"/>
+          </a:fontRef>
+        </p:style>
+        <p:txBody>
+          <a:bodyPr rtlCol="0" anchor="ctr"/>
+          <a:lstStyle/>
+          <a:p>
+            <a:pPr algn="ctr"/>
+            <a:endParaRPr lang="fi-FI"/>
+          </a:p>
+        </p:txBody>
+      </p:sp>
+      <p:sp>
+        <p:nvSpPr>
+          <p:cNvPr id="10" name="Tekstiruutu 9">
+            <a:extLst>
+              <a:ext uri="{FF2B5EF4-FFF2-40B4-BE49-F238E27FC236}">
+                <a16:creationId xmlns:a16="http://schemas.microsoft.com/office/drawing/2014/main" id="{72EDD639-1820-480C-B344-2040FBE762EB}"/>
+              </a:ext>
+            </a:extLst>
+          </p:cNvPr>
+          <p:cNvSpPr txBox="1"/>
+          <p:nvPr/>
+        </p:nvSpPr>
+        <p:spPr>
+          <a:xfrm>
+            <a:off x="2710968" y="5152020"/>
+            <a:ext cx="1228987" cy="923330"/>
           </a:xfrm>
           <a:prstGeom prst="rect">
             <a:avLst/>
           </a:prstGeom>
-        </p:spPr>
-      </p:pic>
-      <p:pic>
-        <p:nvPicPr>
-          <p:cNvPr id="9" name="Kuva 8">
+          <a:noFill/>
+        </p:spPr>
+        <p:txBody>
+          <a:bodyPr wrap="square" rtlCol="0">
+            <a:spAutoFit/>
+          </a:bodyPr>
+          <a:lstStyle/>
+          <a:p>
+            <a:r>
+              <a:rPr lang="fi-FI" dirty="0"/>
+              <a:t>”Tiedot” avaa info ikkunan</a:t>
+            </a:r>
+          </a:p>
+        </p:txBody>
+      </p:sp>
+      <p:sp>
+        <p:nvSpPr>
+          <p:cNvPr id="11" name="Suorakulmio: Pyöristetyt kulmat 10">
             <a:extLst>
               <a:ext uri="{FF2B5EF4-FFF2-40B4-BE49-F238E27FC236}">
-                <a16:creationId xmlns:a16="http://schemas.microsoft.com/office/drawing/2014/main" id="{6DB12236-B00B-467E-9B29-CFF45D35E9D1}"/>
+                <a16:creationId xmlns:a16="http://schemas.microsoft.com/office/drawing/2014/main" id="{3CF5A850-7465-4E2C-BA0A-61F92E00EF12}"/>
               </a:ext>
             </a:extLst>
           </p:cNvPr>
-          <p:cNvPicPr>
-            <a:picLocks noChangeAspect="1"/>
-          </p:cNvPicPr>
+          <p:cNvSpPr/>
           <p:nvPr/>
-        </p:nvPicPr>
-        <p:blipFill>
-          <a:blip r:embed="rId6"/>
-          <a:stretch>
-            <a:fillRect/>
-          </a:stretch>
-        </p:blipFill>
-        <p:spPr>
-          <a:xfrm>
-            <a:off x="8443505" y="4535055"/>
-            <a:ext cx="3280182" cy="1754326"/>
+        </p:nvSpPr>
+        <p:spPr>
+          <a:xfrm>
+            <a:off x="8976220" y="3900881"/>
+            <a:ext cx="1359018" cy="230241"/>
+          </a:xfrm>
+          <a:prstGeom prst="roundRect">
+            <a:avLst/>
+          </a:prstGeom>
+          <a:noFill/>
+          <a:ln>
+            <a:solidFill>
+              <a:schemeClr val="accent1"/>
+            </a:solidFill>
+          </a:ln>
+        </p:spPr>
+        <p:style>
+          <a:lnRef idx="2">
+            <a:schemeClr val="accent1">
+              <a:shade val="50000"/>
+            </a:schemeClr>
+          </a:lnRef>
+          <a:fillRef idx="1">
+            <a:schemeClr val="accent1"/>
+          </a:fillRef>
+          <a:effectRef idx="0">
+            <a:schemeClr val="accent1"/>
+          </a:effectRef>
+          <a:fontRef idx="minor">
+            <a:schemeClr val="lt1"/>
+          </a:fontRef>
+        </p:style>
+        <p:txBody>
+          <a:bodyPr rtlCol="0" anchor="ctr"/>
+          <a:lstStyle/>
+          <a:p>
+            <a:pPr algn="ctr"/>
+            <a:endParaRPr lang="fi-FI"/>
+          </a:p>
+        </p:txBody>
+      </p:sp>
+      <p:sp>
+        <p:nvSpPr>
+          <p:cNvPr id="12" name="Nuoli: Ylös 11">
+            <a:extLst>
+              <a:ext uri="{FF2B5EF4-FFF2-40B4-BE49-F238E27FC236}">
+                <a16:creationId xmlns:a16="http://schemas.microsoft.com/office/drawing/2014/main" id="{151A3FAD-91F8-4268-A425-262C18AD9AE0}"/>
+              </a:ext>
+            </a:extLst>
+          </p:cNvPr>
+          <p:cNvSpPr/>
+          <p:nvPr/>
+        </p:nvSpPr>
+        <p:spPr>
+          <a:xfrm>
+            <a:off x="9454393" y="4277118"/>
+            <a:ext cx="402671" cy="679508"/>
+          </a:xfrm>
+          <a:prstGeom prst="upArrow">
+            <a:avLst/>
+          </a:prstGeom>
+        </p:spPr>
+        <p:style>
+          <a:lnRef idx="2">
+            <a:schemeClr val="accent1">
+              <a:shade val="50000"/>
+            </a:schemeClr>
+          </a:lnRef>
+          <a:fillRef idx="1">
+            <a:schemeClr val="accent1"/>
+          </a:fillRef>
+          <a:effectRef idx="0">
+            <a:schemeClr val="accent1"/>
+          </a:effectRef>
+          <a:fontRef idx="minor">
+            <a:schemeClr val="lt1"/>
+          </a:fontRef>
+        </p:style>
+        <p:txBody>
+          <a:bodyPr rtlCol="0" anchor="ctr"/>
+          <a:lstStyle/>
+          <a:p>
+            <a:pPr algn="ctr"/>
+            <a:endParaRPr lang="fi-FI"/>
+          </a:p>
+        </p:txBody>
+      </p:sp>
+      <p:sp>
+        <p:nvSpPr>
+          <p:cNvPr id="14" name="Tekstiruutu 13">
+            <a:extLst>
+              <a:ext uri="{FF2B5EF4-FFF2-40B4-BE49-F238E27FC236}">
+                <a16:creationId xmlns:a16="http://schemas.microsoft.com/office/drawing/2014/main" id="{EE41EBB1-591B-411E-A192-9559E47C56D8}"/>
+              </a:ext>
+            </a:extLst>
+          </p:cNvPr>
+          <p:cNvSpPr txBox="1"/>
+          <p:nvPr/>
+        </p:nvSpPr>
+        <p:spPr>
+          <a:xfrm>
+            <a:off x="8103765" y="5053090"/>
+            <a:ext cx="2894202" cy="923330"/>
           </a:xfrm>
           <a:prstGeom prst="rect">
             <a:avLst/>
           </a:prstGeom>
-        </p:spPr>
-      </p:pic>
-      <p:pic>
-        <p:nvPicPr>
-          <p:cNvPr id="10" name="Kuva 9">
-            <a:extLst>
-              <a:ext uri="{FF2B5EF4-FFF2-40B4-BE49-F238E27FC236}">
-                <a16:creationId xmlns:a16="http://schemas.microsoft.com/office/drawing/2014/main" id="{E5416D9C-6771-4EDB-AF45-B466DB2F7964}"/>
-              </a:ext>
-            </a:extLst>
-          </p:cNvPr>
-          <p:cNvPicPr>
-            <a:picLocks noChangeAspect="1"/>
-          </p:cNvPicPr>
-          <p:nvPr/>
-        </p:nvPicPr>
-        <p:blipFill>
-          <a:blip r:embed="rId7"/>
-          <a:stretch>
-            <a:fillRect/>
-          </a:stretch>
-        </p:blipFill>
-        <p:spPr>
-          <a:xfrm>
-            <a:off x="4747734" y="4535405"/>
-            <a:ext cx="2696532" cy="2068945"/>
-          </a:xfrm>
-          <a:prstGeom prst="rect">
-            <a:avLst/>
-          </a:prstGeom>
-        </p:spPr>
-      </p:pic>
+          <a:noFill/>
+        </p:spPr>
+        <p:txBody>
+          <a:bodyPr wrap="square" rtlCol="0">
+            <a:spAutoFit/>
+          </a:bodyPr>
+          <a:lstStyle/>
+          <a:p>
+            <a:r>
+              <a:rPr lang="fi-FI" dirty="0"/>
+              <a:t>”Valinta” valitsee numeron mukaisesti kyseisen vaihtoehdon</a:t>
+            </a:r>
+          </a:p>
+        </p:txBody>
+      </p:sp>
     </p:spTree>
     <p:extLst>
       <p:ext uri="{BB962C8B-B14F-4D97-AF65-F5344CB8AC3E}">
-        <p14:creationId xmlns:p14="http://schemas.microsoft.com/office/powerpoint/2010/main" val="547609737"/>
+        <p14:creationId xmlns:p14="http://schemas.microsoft.com/office/powerpoint/2010/main" val="450014245"/>
       </p:ext>
     </p:extLst>
   </p:cSld>
@@ -4252,6 +4291,295 @@
     <p:extLst>
       <p:ext uri="{BB962C8B-B14F-4D97-AF65-F5344CB8AC3E}">
         <p14:creationId xmlns:p14="http://schemas.microsoft.com/office/powerpoint/2010/main" val="1961769914"/>
+      </p:ext>
+    </p:extLst>
+  </p:cSld>
+  <p:clrMapOvr>
+    <a:masterClrMapping/>
+  </p:clrMapOvr>
+</p:sld>
+</file>
+
+<file path=ppt/slides/slide4.xml><?xml version="1.0" encoding="utf-8"?>
+<p:sld xmlns:a="http://schemas.openxmlformats.org/drawingml/2006/main" xmlns:r="http://schemas.openxmlformats.org/officeDocument/2006/relationships" xmlns:p="http://schemas.openxmlformats.org/presentationml/2006/main">
+  <p:cSld>
+    <p:spTree>
+      <p:nvGrpSpPr>
+        <p:cNvPr id="1" name=""/>
+        <p:cNvGrpSpPr/>
+        <p:nvPr/>
+      </p:nvGrpSpPr>
+      <p:grpSpPr>
+        <a:xfrm>
+          <a:off x="0" y="0"/>
+          <a:ext cx="0" cy="0"/>
+          <a:chOff x="0" y="0"/>
+          <a:chExt cx="0" cy="0"/>
+        </a:xfrm>
+      </p:grpSpPr>
+      <p:sp>
+        <p:nvSpPr>
+          <p:cNvPr id="2" name="Otsikko 1">
+            <a:extLst>
+              <a:ext uri="{FF2B5EF4-FFF2-40B4-BE49-F238E27FC236}">
+                <a16:creationId xmlns:a16="http://schemas.microsoft.com/office/drawing/2014/main" id="{2EF7E75C-B0B2-4892-9BEE-833703744D20}"/>
+              </a:ext>
+            </a:extLst>
+          </p:cNvPr>
+          <p:cNvSpPr>
+            <a:spLocks noGrp="1"/>
+          </p:cNvSpPr>
+          <p:nvPr>
+            <p:ph type="title"/>
+          </p:nvPr>
+        </p:nvSpPr>
+        <p:spPr/>
+        <p:txBody>
+          <a:bodyPr/>
+          <a:lstStyle/>
+          <a:p>
+            <a:r>
+              <a:rPr lang="fi-FI" dirty="0"/>
+              <a:t>Leimu</a:t>
+            </a:r>
+          </a:p>
+        </p:txBody>
+      </p:sp>
+      <p:pic>
+        <p:nvPicPr>
+          <p:cNvPr id="4" name="Sisällön paikkamerkki 3">
+            <a:extLst>
+              <a:ext uri="{FF2B5EF4-FFF2-40B4-BE49-F238E27FC236}">
+                <a16:creationId xmlns:a16="http://schemas.microsoft.com/office/drawing/2014/main" id="{130D9198-3E1E-4966-85F3-D49C99B5E9BF}"/>
+              </a:ext>
+            </a:extLst>
+          </p:cNvPr>
+          <p:cNvPicPr>
+            <a:picLocks noGrp="1" noChangeAspect="1"/>
+          </p:cNvPicPr>
+          <p:nvPr>
+            <p:ph idx="1"/>
+          </p:nvPr>
+        </p:nvPicPr>
+        <p:blipFill>
+          <a:blip r:embed="rId2"/>
+          <a:stretch>
+            <a:fillRect/>
+          </a:stretch>
+        </p:blipFill>
+        <p:spPr>
+          <a:xfrm>
+            <a:off x="8189912" y="2454791"/>
+            <a:ext cx="3533775" cy="895350"/>
+          </a:xfrm>
+          <a:prstGeom prst="rect">
+            <a:avLst/>
+          </a:prstGeom>
+        </p:spPr>
+      </p:pic>
+      <p:sp>
+        <p:nvSpPr>
+          <p:cNvPr id="5" name="Tekstiruutu 4">
+            <a:extLst>
+              <a:ext uri="{FF2B5EF4-FFF2-40B4-BE49-F238E27FC236}">
+                <a16:creationId xmlns:a16="http://schemas.microsoft.com/office/drawing/2014/main" id="{11847A26-EEB9-48B2-8760-2B47E070B1C7}"/>
+              </a:ext>
+            </a:extLst>
+          </p:cNvPr>
+          <p:cNvSpPr txBox="1"/>
+          <p:nvPr/>
+        </p:nvSpPr>
+        <p:spPr>
+          <a:xfrm>
+            <a:off x="939800" y="1518741"/>
+            <a:ext cx="6869112" cy="1754326"/>
+          </a:xfrm>
+          <a:prstGeom prst="rect">
+            <a:avLst/>
+          </a:prstGeom>
+          <a:noFill/>
+        </p:spPr>
+        <p:txBody>
+          <a:bodyPr wrap="square" rtlCol="0">
+            <a:spAutoFit/>
+          </a:bodyPr>
+          <a:lstStyle/>
+          <a:p>
+            <a:r>
+              <a:rPr lang="fi-FI" sz="1200" dirty="0"/>
+              <a:t>Tässä kuvakaappauksessa </a:t>
+            </a:r>
+            <a:r>
+              <a:rPr lang="fi-FI" sz="1200" dirty="0" err="1"/>
+              <a:t>pygame</a:t>
+            </a:r>
+            <a:r>
+              <a:rPr lang="fi-FI" sz="1200" dirty="0"/>
+              <a:t> moduulilla soitetaan tausta musiikki</a:t>
+            </a:r>
+          </a:p>
+          <a:p>
+            <a:endParaRPr lang="fi-FI" sz="1200" dirty="0"/>
+          </a:p>
+          <a:p>
+            <a:r>
+              <a:rPr lang="fi-FI" sz="1200" dirty="0"/>
+              <a:t>1.Rivi moduulin tuominen tiedostoon</a:t>
+            </a:r>
+          </a:p>
+          <a:p>
+            <a:endParaRPr lang="fi-FI" sz="1200" dirty="0"/>
+          </a:p>
+          <a:p>
+            <a:r>
+              <a:rPr lang="fi-FI" sz="1200" dirty="0"/>
+              <a:t>2.Rivi </a:t>
+            </a:r>
+            <a:r>
+              <a:rPr lang="fi-FI" sz="1200" dirty="0" err="1"/>
+              <a:t>mixerin</a:t>
+            </a:r>
+            <a:r>
+              <a:rPr lang="fi-FI" sz="1200" dirty="0"/>
+              <a:t> ”käynnistäminen”</a:t>
+            </a:r>
+          </a:p>
+          <a:p>
+            <a:endParaRPr lang="fi-FI" sz="1200" dirty="0"/>
+          </a:p>
+          <a:p>
+            <a:r>
+              <a:rPr lang="fi-FI" sz="1200" dirty="0"/>
+              <a:t>3.Rivi musiikki tiedoston avaaminen ohjelmaan</a:t>
+            </a:r>
+          </a:p>
+          <a:p>
+            <a:endParaRPr lang="fi-FI" sz="1200" dirty="0"/>
+          </a:p>
+          <a:p>
+            <a:r>
+              <a:rPr lang="fi-FI" sz="1200" dirty="0"/>
+              <a:t>4.Rivi musiikin soittaminen </a:t>
+            </a:r>
+            <a:r>
+              <a:rPr lang="fi-FI" sz="1200" dirty="0" err="1"/>
+              <a:t>loopilla</a:t>
+            </a:r>
+            <a:r>
+              <a:rPr lang="fi-FI" sz="1200" dirty="0"/>
+              <a:t> </a:t>
+            </a:r>
+          </a:p>
+        </p:txBody>
+      </p:sp>
+      <p:pic>
+        <p:nvPicPr>
+          <p:cNvPr id="3" name="Kuva 2">
+            <a:extLst>
+              <a:ext uri="{FF2B5EF4-FFF2-40B4-BE49-F238E27FC236}">
+                <a16:creationId xmlns:a16="http://schemas.microsoft.com/office/drawing/2014/main" id="{A9C34744-3BCC-4C2D-8FC5-44CDB107B28A}"/>
+              </a:ext>
+            </a:extLst>
+          </p:cNvPr>
+          <p:cNvPicPr>
+            <a:picLocks noChangeAspect="1"/>
+          </p:cNvPicPr>
+          <p:nvPr/>
+        </p:nvPicPr>
+        <p:blipFill>
+          <a:blip r:embed="rId3"/>
+          <a:stretch>
+            <a:fillRect/>
+          </a:stretch>
+        </p:blipFill>
+        <p:spPr>
+          <a:xfrm>
+            <a:off x="5551487" y="4014222"/>
+            <a:ext cx="6172200" cy="352425"/>
+          </a:xfrm>
+          <a:prstGeom prst="rect">
+            <a:avLst/>
+          </a:prstGeom>
+        </p:spPr>
+      </p:pic>
+      <p:pic>
+        <p:nvPicPr>
+          <p:cNvPr id="6" name="Kuva 5">
+            <a:extLst>
+              <a:ext uri="{FF2B5EF4-FFF2-40B4-BE49-F238E27FC236}">
+                <a16:creationId xmlns:a16="http://schemas.microsoft.com/office/drawing/2014/main" id="{CB8F9404-D0FA-4192-9717-6C191357076F}"/>
+              </a:ext>
+            </a:extLst>
+          </p:cNvPr>
+          <p:cNvPicPr>
+            <a:picLocks noChangeAspect="1"/>
+          </p:cNvPicPr>
+          <p:nvPr/>
+        </p:nvPicPr>
+        <p:blipFill>
+          <a:blip r:embed="rId4"/>
+          <a:stretch>
+            <a:fillRect/>
+          </a:stretch>
+        </p:blipFill>
+        <p:spPr>
+          <a:xfrm>
+            <a:off x="8523287" y="3467869"/>
+            <a:ext cx="3200400" cy="428625"/>
+          </a:xfrm>
+          <a:prstGeom prst="rect">
+            <a:avLst/>
+          </a:prstGeom>
+        </p:spPr>
+      </p:pic>
+      <p:sp>
+        <p:nvSpPr>
+          <p:cNvPr id="7" name="Tekstiruutu 6">
+            <a:extLst>
+              <a:ext uri="{FF2B5EF4-FFF2-40B4-BE49-F238E27FC236}">
+                <a16:creationId xmlns:a16="http://schemas.microsoft.com/office/drawing/2014/main" id="{C403F05F-7431-4DC1-A550-CB7AA8F8B80D}"/>
+              </a:ext>
+            </a:extLst>
+          </p:cNvPr>
+          <p:cNvSpPr txBox="1"/>
+          <p:nvPr/>
+        </p:nvSpPr>
+        <p:spPr>
+          <a:xfrm>
+            <a:off x="939800" y="3514987"/>
+            <a:ext cx="4261374" cy="1292662"/>
+          </a:xfrm>
+          <a:prstGeom prst="rect">
+            <a:avLst/>
+          </a:prstGeom>
+          <a:noFill/>
+        </p:spPr>
+        <p:txBody>
+          <a:bodyPr wrap="square" rtlCol="0">
+            <a:spAutoFit/>
+          </a:bodyPr>
+          <a:lstStyle/>
+          <a:p>
+            <a:r>
+              <a:rPr lang="fi-FI" dirty="0"/>
+              <a:t>Näissä kahdessa kuvakaappauksessa on:</a:t>
+            </a:r>
+          </a:p>
+          <a:p>
+            <a:r>
+              <a:rPr lang="fi-FI" sz="1400" dirty="0"/>
+              <a:t>Napin ja tekstielementin luominen, tyylittely ja asettelu ruutuun. Tekstielementti näyttää tässä tapauksessa kuvan ”kuvalista” nimisestä listasta.</a:t>
+            </a:r>
+          </a:p>
+          <a:p>
+            <a:endParaRPr lang="fi-FI" dirty="0"/>
+          </a:p>
+        </p:txBody>
+      </p:sp>
+    </p:spTree>
+    <p:extLst>
+      <p:ext uri="{BB962C8B-B14F-4D97-AF65-F5344CB8AC3E}">
+        <p14:creationId xmlns:p14="http://schemas.microsoft.com/office/powerpoint/2010/main" val="547609737"/>
       </p:ext>
     </p:extLst>
   </p:cSld>
